--- a/QTのチュートリアル.pptx
+++ b/QTのチュートリアル.pptx
@@ -4,17 +4,23 @@
   <p:sldMasterIdLst>
     <p:sldMasterId id="2147483648" r:id="rId1"/>
   </p:sldMasterIdLst>
+  <p:notesMasterIdLst>
+    <p:notesMasterId r:id="rId15"/>
+  </p:notesMasterIdLst>
   <p:sldIdLst>
     <p:sldId id="256" r:id="rId2"/>
     <p:sldId id="261" r:id="rId3"/>
-    <p:sldId id="263" r:id="rId4"/>
+    <p:sldId id="266" r:id="rId4"/>
     <p:sldId id="262" r:id="rId5"/>
     <p:sldId id="257" r:id="rId6"/>
-    <p:sldId id="258" r:id="rId7"/>
-    <p:sldId id="259" r:id="rId8"/>
-    <p:sldId id="260" r:id="rId9"/>
-    <p:sldId id="264" r:id="rId10"/>
-    <p:sldId id="265" r:id="rId11"/>
+    <p:sldId id="263" r:id="rId7"/>
+    <p:sldId id="258" r:id="rId8"/>
+    <p:sldId id="267" r:id="rId9"/>
+    <p:sldId id="268" r:id="rId10"/>
+    <p:sldId id="259" r:id="rId11"/>
+    <p:sldId id="265" r:id="rId12"/>
+    <p:sldId id="269" r:id="rId13"/>
+    <p:sldId id="264" r:id="rId14"/>
   </p:sldIdLst>
   <p:sldSz cx="9144000" cy="6858000" type="screen4x3"/>
   <p:notesSz cx="6858000" cy="9144000"/>
@@ -132,6 +138,472 @@
 </p:presentation>
 </file>
 
+<file path=ppt/notesMasters/notesMaster1.xml><?xml version="1.0" encoding="utf-8"?>
+<p:notesMaster xmlns:a="http://schemas.openxmlformats.org/drawingml/2006/main" xmlns:r="http://schemas.openxmlformats.org/officeDocument/2006/relationships" xmlns:p="http://schemas.openxmlformats.org/presentationml/2006/main">
+  <p:cSld>
+    <p:bg>
+      <p:bgRef idx="1001">
+        <a:schemeClr val="bg1"/>
+      </p:bgRef>
+    </p:bg>
+    <p:spTree>
+      <p:nvGrpSpPr>
+        <p:cNvPr id="1" name=""/>
+        <p:cNvGrpSpPr/>
+        <p:nvPr/>
+      </p:nvGrpSpPr>
+      <p:grpSpPr>
+        <a:xfrm>
+          <a:off x="0" y="0"/>
+          <a:ext cx="0" cy="0"/>
+          <a:chOff x="0" y="0"/>
+          <a:chExt cx="0" cy="0"/>
+        </a:xfrm>
+      </p:grpSpPr>
+      <p:sp>
+        <p:nvSpPr>
+          <p:cNvPr id="2" name="ヘッダー プレースホルダー 1"/>
+          <p:cNvSpPr>
+            <a:spLocks noGrp="1"/>
+          </p:cNvSpPr>
+          <p:nvPr>
+            <p:ph type="hdr" sz="quarter"/>
+          </p:nvPr>
+        </p:nvSpPr>
+        <p:spPr>
+          <a:xfrm>
+            <a:off x="0" y="0"/>
+            <a:ext cx="2971800" cy="458788"/>
+          </a:xfrm>
+          <a:prstGeom prst="rect">
+            <a:avLst/>
+          </a:prstGeom>
+        </p:spPr>
+        <p:txBody>
+          <a:bodyPr vert="horz" lIns="91440" tIns="45720" rIns="91440" bIns="45720" rtlCol="0"/>
+          <a:lstStyle>
+            <a:lvl1pPr algn="l">
+              <a:defRPr sz="1200"/>
+            </a:lvl1pPr>
+          </a:lstStyle>
+          <a:p>
+            <a:endParaRPr kumimoji="1" lang="ja-JP" altLang="en-US"/>
+          </a:p>
+        </p:txBody>
+      </p:sp>
+      <p:sp>
+        <p:nvSpPr>
+          <p:cNvPr id="3" name="日付プレースホルダー 2"/>
+          <p:cNvSpPr>
+            <a:spLocks noGrp="1"/>
+          </p:cNvSpPr>
+          <p:nvPr>
+            <p:ph type="dt" idx="1"/>
+          </p:nvPr>
+        </p:nvSpPr>
+        <p:spPr>
+          <a:xfrm>
+            <a:off x="3884613" y="0"/>
+            <a:ext cx="2971800" cy="458788"/>
+          </a:xfrm>
+          <a:prstGeom prst="rect">
+            <a:avLst/>
+          </a:prstGeom>
+        </p:spPr>
+        <p:txBody>
+          <a:bodyPr vert="horz" lIns="91440" tIns="45720" rIns="91440" bIns="45720" rtlCol="0"/>
+          <a:lstStyle>
+            <a:lvl1pPr algn="r">
+              <a:defRPr sz="1200"/>
+            </a:lvl1pPr>
+          </a:lstStyle>
+          <a:p>
+            <a:fld id="{AAD02717-1387-4C3E-B584-57EEA7BD7A56}" type="datetimeFigureOut">
+              <a:rPr kumimoji="1" lang="ja-JP" altLang="en-US" smtClean="0"/>
+              <a:t>2022/9/5</a:t>
+            </a:fld>
+            <a:endParaRPr kumimoji="1" lang="ja-JP" altLang="en-US"/>
+          </a:p>
+        </p:txBody>
+      </p:sp>
+      <p:sp>
+        <p:nvSpPr>
+          <p:cNvPr id="4" name="スライド イメージ プレースホルダー 3"/>
+          <p:cNvSpPr>
+            <a:spLocks noGrp="1" noRot="1" noChangeAspect="1"/>
+          </p:cNvSpPr>
+          <p:nvPr>
+            <p:ph type="sldImg" idx="2"/>
+          </p:nvPr>
+        </p:nvSpPr>
+        <p:spPr>
+          <a:xfrm>
+            <a:off x="1371600" y="1143000"/>
+            <a:ext cx="4114800" cy="3086100"/>
+          </a:xfrm>
+          <a:prstGeom prst="rect">
+            <a:avLst/>
+          </a:prstGeom>
+          <a:noFill/>
+          <a:ln w="12700">
+            <a:solidFill>
+              <a:prstClr val="black"/>
+            </a:solidFill>
+          </a:ln>
+        </p:spPr>
+        <p:txBody>
+          <a:bodyPr vert="horz" lIns="91440" tIns="45720" rIns="91440" bIns="45720" rtlCol="0" anchor="ctr"/>
+          <a:lstStyle/>
+          <a:p>
+            <a:endParaRPr lang="ja-JP" altLang="en-US"/>
+          </a:p>
+        </p:txBody>
+      </p:sp>
+      <p:sp>
+        <p:nvSpPr>
+          <p:cNvPr id="5" name="ノート プレースホルダー 4"/>
+          <p:cNvSpPr>
+            <a:spLocks noGrp="1"/>
+          </p:cNvSpPr>
+          <p:nvPr>
+            <p:ph type="body" sz="quarter" idx="3"/>
+          </p:nvPr>
+        </p:nvSpPr>
+        <p:spPr>
+          <a:xfrm>
+            <a:off x="685800" y="4400550"/>
+            <a:ext cx="5486400" cy="3600450"/>
+          </a:xfrm>
+          <a:prstGeom prst="rect">
+            <a:avLst/>
+          </a:prstGeom>
+        </p:spPr>
+        <p:txBody>
+          <a:bodyPr vert="horz" lIns="91440" tIns="45720" rIns="91440" bIns="45720" rtlCol="0"/>
+          <a:lstStyle/>
+          <a:p>
+            <a:pPr lvl="0"/>
+            <a:r>
+              <a:rPr kumimoji="1" lang="ja-JP" altLang="en-US" smtClean="0"/>
+              <a:t>マスター テキストの書式設定</a:t>
+            </a:r>
+          </a:p>
+          <a:p>
+            <a:pPr lvl="1"/>
+            <a:r>
+              <a:rPr kumimoji="1" lang="ja-JP" altLang="en-US" smtClean="0"/>
+              <a:t>第 </a:t>
+            </a:r>
+            <a:r>
+              <a:rPr kumimoji="1" lang="en-US" altLang="ja-JP" smtClean="0"/>
+              <a:t>2 </a:t>
+            </a:r>
+            <a:r>
+              <a:rPr kumimoji="1" lang="ja-JP" altLang="en-US" smtClean="0"/>
+              <a:t>レベル</a:t>
+            </a:r>
+          </a:p>
+          <a:p>
+            <a:pPr lvl="2"/>
+            <a:r>
+              <a:rPr kumimoji="1" lang="ja-JP" altLang="en-US" smtClean="0"/>
+              <a:t>第 </a:t>
+            </a:r>
+            <a:r>
+              <a:rPr kumimoji="1" lang="en-US" altLang="ja-JP" smtClean="0"/>
+              <a:t>3 </a:t>
+            </a:r>
+            <a:r>
+              <a:rPr kumimoji="1" lang="ja-JP" altLang="en-US" smtClean="0"/>
+              <a:t>レベル</a:t>
+            </a:r>
+          </a:p>
+          <a:p>
+            <a:pPr lvl="3"/>
+            <a:r>
+              <a:rPr kumimoji="1" lang="ja-JP" altLang="en-US" smtClean="0"/>
+              <a:t>第 </a:t>
+            </a:r>
+            <a:r>
+              <a:rPr kumimoji="1" lang="en-US" altLang="ja-JP" smtClean="0"/>
+              <a:t>4 </a:t>
+            </a:r>
+            <a:r>
+              <a:rPr kumimoji="1" lang="ja-JP" altLang="en-US" smtClean="0"/>
+              <a:t>レベル</a:t>
+            </a:r>
+          </a:p>
+          <a:p>
+            <a:pPr lvl="4"/>
+            <a:r>
+              <a:rPr kumimoji="1" lang="ja-JP" altLang="en-US" smtClean="0"/>
+              <a:t>第 </a:t>
+            </a:r>
+            <a:r>
+              <a:rPr kumimoji="1" lang="en-US" altLang="ja-JP" smtClean="0"/>
+              <a:t>5 </a:t>
+            </a:r>
+            <a:r>
+              <a:rPr kumimoji="1" lang="ja-JP" altLang="en-US" smtClean="0"/>
+              <a:t>レベル</a:t>
+            </a:r>
+            <a:endParaRPr kumimoji="1" lang="ja-JP" altLang="en-US"/>
+          </a:p>
+        </p:txBody>
+      </p:sp>
+      <p:sp>
+        <p:nvSpPr>
+          <p:cNvPr id="6" name="フッター プレースホルダー 5"/>
+          <p:cNvSpPr>
+            <a:spLocks noGrp="1"/>
+          </p:cNvSpPr>
+          <p:nvPr>
+            <p:ph type="ftr" sz="quarter" idx="4"/>
+          </p:nvPr>
+        </p:nvSpPr>
+        <p:spPr>
+          <a:xfrm>
+            <a:off x="0" y="8685213"/>
+            <a:ext cx="2971800" cy="458787"/>
+          </a:xfrm>
+          <a:prstGeom prst="rect">
+            <a:avLst/>
+          </a:prstGeom>
+        </p:spPr>
+        <p:txBody>
+          <a:bodyPr vert="horz" lIns="91440" tIns="45720" rIns="91440" bIns="45720" rtlCol="0" anchor="b"/>
+          <a:lstStyle>
+            <a:lvl1pPr algn="l">
+              <a:defRPr sz="1200"/>
+            </a:lvl1pPr>
+          </a:lstStyle>
+          <a:p>
+            <a:endParaRPr kumimoji="1" lang="ja-JP" altLang="en-US"/>
+          </a:p>
+        </p:txBody>
+      </p:sp>
+      <p:sp>
+        <p:nvSpPr>
+          <p:cNvPr id="7" name="スライド番号プレースホルダー 6"/>
+          <p:cNvSpPr>
+            <a:spLocks noGrp="1"/>
+          </p:cNvSpPr>
+          <p:nvPr>
+            <p:ph type="sldNum" sz="quarter" idx="5"/>
+          </p:nvPr>
+        </p:nvSpPr>
+        <p:spPr>
+          <a:xfrm>
+            <a:off x="3884613" y="8685213"/>
+            <a:ext cx="2971800" cy="458787"/>
+          </a:xfrm>
+          <a:prstGeom prst="rect">
+            <a:avLst/>
+          </a:prstGeom>
+        </p:spPr>
+        <p:txBody>
+          <a:bodyPr vert="horz" lIns="91440" tIns="45720" rIns="91440" bIns="45720" rtlCol="0" anchor="b"/>
+          <a:lstStyle>
+            <a:lvl1pPr algn="r">
+              <a:defRPr sz="1200"/>
+            </a:lvl1pPr>
+          </a:lstStyle>
+          <a:p>
+            <a:fld id="{922D7E62-2212-4EF1-9DE2-77CF409FB1D9}" type="slidenum">
+              <a:rPr kumimoji="1" lang="ja-JP" altLang="en-US" smtClean="0"/>
+              <a:t>‹#›</a:t>
+            </a:fld>
+            <a:endParaRPr kumimoji="1" lang="ja-JP" altLang="en-US"/>
+          </a:p>
+        </p:txBody>
+      </p:sp>
+    </p:spTree>
+    <p:extLst>
+      <p:ext uri="{BB962C8B-B14F-4D97-AF65-F5344CB8AC3E}">
+        <p14:creationId xmlns:p14="http://schemas.microsoft.com/office/powerpoint/2010/main" val="1676280785"/>
+      </p:ext>
+    </p:extLst>
+  </p:cSld>
+  <p:clrMap bg1="lt1" tx1="dk1" bg2="lt2" tx2="dk2" accent1="accent1" accent2="accent2" accent3="accent3" accent4="accent4" accent5="accent5" accent6="accent6" hlink="hlink" folHlink="folHlink"/>
+  <p:notesStyle>
+    <a:lvl1pPr marL="0" algn="l" defTabSz="914400" rtl="0" eaLnBrk="1" latinLnBrk="0" hangingPunct="1">
+      <a:defRPr kumimoji="1" sz="1200" kern="1200">
+        <a:solidFill>
+          <a:schemeClr val="tx1"/>
+        </a:solidFill>
+        <a:latin typeface="+mn-lt"/>
+        <a:ea typeface="+mn-ea"/>
+        <a:cs typeface="+mn-cs"/>
+      </a:defRPr>
+    </a:lvl1pPr>
+    <a:lvl2pPr marL="457200" algn="l" defTabSz="914400" rtl="0" eaLnBrk="1" latinLnBrk="0" hangingPunct="1">
+      <a:defRPr kumimoji="1" sz="1200" kern="1200">
+        <a:solidFill>
+          <a:schemeClr val="tx1"/>
+        </a:solidFill>
+        <a:latin typeface="+mn-lt"/>
+        <a:ea typeface="+mn-ea"/>
+        <a:cs typeface="+mn-cs"/>
+      </a:defRPr>
+    </a:lvl2pPr>
+    <a:lvl3pPr marL="914400" algn="l" defTabSz="914400" rtl="0" eaLnBrk="1" latinLnBrk="0" hangingPunct="1">
+      <a:defRPr kumimoji="1" sz="1200" kern="1200">
+        <a:solidFill>
+          <a:schemeClr val="tx1"/>
+        </a:solidFill>
+        <a:latin typeface="+mn-lt"/>
+        <a:ea typeface="+mn-ea"/>
+        <a:cs typeface="+mn-cs"/>
+      </a:defRPr>
+    </a:lvl3pPr>
+    <a:lvl4pPr marL="1371600" algn="l" defTabSz="914400" rtl="0" eaLnBrk="1" latinLnBrk="0" hangingPunct="1">
+      <a:defRPr kumimoji="1" sz="1200" kern="1200">
+        <a:solidFill>
+          <a:schemeClr val="tx1"/>
+        </a:solidFill>
+        <a:latin typeface="+mn-lt"/>
+        <a:ea typeface="+mn-ea"/>
+        <a:cs typeface="+mn-cs"/>
+      </a:defRPr>
+    </a:lvl4pPr>
+    <a:lvl5pPr marL="1828800" algn="l" defTabSz="914400" rtl="0" eaLnBrk="1" latinLnBrk="0" hangingPunct="1">
+      <a:defRPr kumimoji="1" sz="1200" kern="1200">
+        <a:solidFill>
+          <a:schemeClr val="tx1"/>
+        </a:solidFill>
+        <a:latin typeface="+mn-lt"/>
+        <a:ea typeface="+mn-ea"/>
+        <a:cs typeface="+mn-cs"/>
+      </a:defRPr>
+    </a:lvl5pPr>
+    <a:lvl6pPr marL="2286000" algn="l" defTabSz="914400" rtl="0" eaLnBrk="1" latinLnBrk="0" hangingPunct="1">
+      <a:defRPr kumimoji="1" sz="1200" kern="1200">
+        <a:solidFill>
+          <a:schemeClr val="tx1"/>
+        </a:solidFill>
+        <a:latin typeface="+mn-lt"/>
+        <a:ea typeface="+mn-ea"/>
+        <a:cs typeface="+mn-cs"/>
+      </a:defRPr>
+    </a:lvl6pPr>
+    <a:lvl7pPr marL="2743200" algn="l" defTabSz="914400" rtl="0" eaLnBrk="1" latinLnBrk="0" hangingPunct="1">
+      <a:defRPr kumimoji="1" sz="1200" kern="1200">
+        <a:solidFill>
+          <a:schemeClr val="tx1"/>
+        </a:solidFill>
+        <a:latin typeface="+mn-lt"/>
+        <a:ea typeface="+mn-ea"/>
+        <a:cs typeface="+mn-cs"/>
+      </a:defRPr>
+    </a:lvl7pPr>
+    <a:lvl8pPr marL="3200400" algn="l" defTabSz="914400" rtl="0" eaLnBrk="1" latinLnBrk="0" hangingPunct="1">
+      <a:defRPr kumimoji="1" sz="1200" kern="1200">
+        <a:solidFill>
+          <a:schemeClr val="tx1"/>
+        </a:solidFill>
+        <a:latin typeface="+mn-lt"/>
+        <a:ea typeface="+mn-ea"/>
+        <a:cs typeface="+mn-cs"/>
+      </a:defRPr>
+    </a:lvl8pPr>
+    <a:lvl9pPr marL="3657600" algn="l" defTabSz="914400" rtl="0" eaLnBrk="1" latinLnBrk="0" hangingPunct="1">
+      <a:defRPr kumimoji="1" sz="1200" kern="1200">
+        <a:solidFill>
+          <a:schemeClr val="tx1"/>
+        </a:solidFill>
+        <a:latin typeface="+mn-lt"/>
+        <a:ea typeface="+mn-ea"/>
+        <a:cs typeface="+mn-cs"/>
+      </a:defRPr>
+    </a:lvl9pPr>
+  </p:notesStyle>
+</p:notesMaster>
+</file>
+
+<file path=ppt/notesSlides/notesSlide1.xml><?xml version="1.0" encoding="utf-8"?>
+<p:notes xmlns:a="http://schemas.openxmlformats.org/drawingml/2006/main" xmlns:r="http://schemas.openxmlformats.org/officeDocument/2006/relationships" xmlns:p="http://schemas.openxmlformats.org/presentationml/2006/main">
+  <p:cSld>
+    <p:spTree>
+      <p:nvGrpSpPr>
+        <p:cNvPr id="1" name=""/>
+        <p:cNvGrpSpPr/>
+        <p:nvPr/>
+      </p:nvGrpSpPr>
+      <p:grpSpPr>
+        <a:xfrm>
+          <a:off x="0" y="0"/>
+          <a:ext cx="0" cy="0"/>
+          <a:chOff x="0" y="0"/>
+          <a:chExt cx="0" cy="0"/>
+        </a:xfrm>
+      </p:grpSpPr>
+      <p:sp>
+        <p:nvSpPr>
+          <p:cNvPr id="2" name="スライド イメージ プレースホルダー 1"/>
+          <p:cNvSpPr>
+            <a:spLocks noGrp="1" noRot="1" noChangeAspect="1"/>
+          </p:cNvSpPr>
+          <p:nvPr>
+            <p:ph type="sldImg"/>
+          </p:nvPr>
+        </p:nvSpPr>
+        <p:spPr/>
+      </p:sp>
+      <p:sp>
+        <p:nvSpPr>
+          <p:cNvPr id="3" name="ノート プレースホルダー 2"/>
+          <p:cNvSpPr>
+            <a:spLocks noGrp="1"/>
+          </p:cNvSpPr>
+          <p:nvPr>
+            <p:ph type="body" idx="1"/>
+          </p:nvPr>
+        </p:nvSpPr>
+        <p:spPr/>
+        <p:txBody>
+          <a:bodyPr/>
+          <a:lstStyle/>
+          <a:p>
+            <a:endParaRPr kumimoji="1" lang="ja-JP" altLang="en-US" dirty="0"/>
+          </a:p>
+        </p:txBody>
+      </p:sp>
+      <p:sp>
+        <p:nvSpPr>
+          <p:cNvPr id="4" name="スライド番号プレースホルダー 3"/>
+          <p:cNvSpPr>
+            <a:spLocks noGrp="1"/>
+          </p:cNvSpPr>
+          <p:nvPr>
+            <p:ph type="sldNum" sz="quarter" idx="10"/>
+          </p:nvPr>
+        </p:nvSpPr>
+        <p:spPr/>
+        <p:txBody>
+          <a:bodyPr/>
+          <a:lstStyle/>
+          <a:p>
+            <a:fld id="{922D7E62-2212-4EF1-9DE2-77CF409FB1D9}" type="slidenum">
+              <a:rPr kumimoji="1" lang="ja-JP" altLang="en-US" smtClean="0"/>
+              <a:t>2</a:t>
+            </a:fld>
+            <a:endParaRPr kumimoji="1" lang="ja-JP" altLang="en-US"/>
+          </a:p>
+        </p:txBody>
+      </p:sp>
+    </p:spTree>
+    <p:extLst>
+      <p:ext uri="{BB962C8B-B14F-4D97-AF65-F5344CB8AC3E}">
+        <p14:creationId xmlns:p14="http://schemas.microsoft.com/office/powerpoint/2010/main" val="2732453787"/>
+      </p:ext>
+    </p:extLst>
+  </p:cSld>
+  <p:clrMapOvr>
+    <a:masterClrMapping/>
+  </p:clrMapOvr>
+</p:notes>
+</file>
+
 <file path=ppt/slideLayouts/slideLayout1.xml><?xml version="1.0" encoding="utf-8"?>
 <p:sldLayout xmlns:a="http://schemas.openxmlformats.org/drawingml/2006/main" xmlns:r="http://schemas.openxmlformats.org/officeDocument/2006/relationships" xmlns:p="http://schemas.openxmlformats.org/presentationml/2006/main" type="title" preserve="1">
   <p:cSld name="タイトル スライド">
@@ -313,7 +785,7 @@
           <a:p>
             <a:fld id="{F2FDE67C-D5CA-49B5-B548-8E8620E714CB}" type="datetimeFigureOut">
               <a:rPr kumimoji="1" lang="ja-JP" altLang="en-US" smtClean="0"/>
-              <a:t>2022/9/1</a:t>
+              <a:t>2022/9/5</a:t>
             </a:fld>
             <a:endParaRPr kumimoji="1" lang="ja-JP" altLang="en-US"/>
           </a:p>
@@ -515,7 +987,7 @@
           <a:p>
             <a:fld id="{F2FDE67C-D5CA-49B5-B548-8E8620E714CB}" type="datetimeFigureOut">
               <a:rPr kumimoji="1" lang="ja-JP" altLang="en-US" smtClean="0"/>
-              <a:t>2022/9/1</a:t>
+              <a:t>2022/9/5</a:t>
             </a:fld>
             <a:endParaRPr kumimoji="1" lang="ja-JP" altLang="en-US"/>
           </a:p>
@@ -727,7 +1199,7 @@
           <a:p>
             <a:fld id="{F2FDE67C-D5CA-49B5-B548-8E8620E714CB}" type="datetimeFigureOut">
               <a:rPr kumimoji="1" lang="ja-JP" altLang="en-US" smtClean="0"/>
-              <a:t>2022/9/1</a:t>
+              <a:t>2022/9/5</a:t>
             </a:fld>
             <a:endParaRPr kumimoji="1" lang="ja-JP" altLang="en-US"/>
           </a:p>
@@ -929,7 +1401,7 @@
           <a:p>
             <a:fld id="{F2FDE67C-D5CA-49B5-B548-8E8620E714CB}" type="datetimeFigureOut">
               <a:rPr kumimoji="1" lang="ja-JP" altLang="en-US" smtClean="0"/>
-              <a:t>2022/9/1</a:t>
+              <a:t>2022/9/5</a:t>
             </a:fld>
             <a:endParaRPr kumimoji="1" lang="ja-JP" altLang="en-US"/>
           </a:p>
@@ -1175,7 +1647,7 @@
           <a:p>
             <a:fld id="{F2FDE67C-D5CA-49B5-B548-8E8620E714CB}" type="datetimeFigureOut">
               <a:rPr kumimoji="1" lang="ja-JP" altLang="en-US" smtClean="0"/>
-              <a:t>2022/9/1</a:t>
+              <a:t>2022/9/5</a:t>
             </a:fld>
             <a:endParaRPr kumimoji="1" lang="ja-JP" altLang="en-US"/>
           </a:p>
@@ -1527,7 +1999,7 @@
           <a:p>
             <a:fld id="{F2FDE67C-D5CA-49B5-B548-8E8620E714CB}" type="datetimeFigureOut">
               <a:rPr kumimoji="1" lang="ja-JP" altLang="en-US" smtClean="0"/>
-              <a:t>2022/9/1</a:t>
+              <a:t>2022/9/5</a:t>
             </a:fld>
             <a:endParaRPr kumimoji="1" lang="ja-JP" altLang="en-US"/>
           </a:p>
@@ -2013,7 +2485,7 @@
           <a:p>
             <a:fld id="{F2FDE67C-D5CA-49B5-B548-8E8620E714CB}" type="datetimeFigureOut">
               <a:rPr kumimoji="1" lang="ja-JP" altLang="en-US" smtClean="0"/>
-              <a:t>2022/9/1</a:t>
+              <a:t>2022/9/5</a:t>
             </a:fld>
             <a:endParaRPr kumimoji="1" lang="ja-JP" altLang="en-US"/>
           </a:p>
@@ -2131,7 +2603,7 @@
           <a:p>
             <a:fld id="{F2FDE67C-D5CA-49B5-B548-8E8620E714CB}" type="datetimeFigureOut">
               <a:rPr kumimoji="1" lang="ja-JP" altLang="en-US" smtClean="0"/>
-              <a:t>2022/9/1</a:t>
+              <a:t>2022/9/5</a:t>
             </a:fld>
             <a:endParaRPr kumimoji="1" lang="ja-JP" altLang="en-US"/>
           </a:p>
@@ -2226,7 +2698,7 @@
           <a:p>
             <a:fld id="{F2FDE67C-D5CA-49B5-B548-8E8620E714CB}" type="datetimeFigureOut">
               <a:rPr kumimoji="1" lang="ja-JP" altLang="en-US" smtClean="0"/>
-              <a:t>2022/9/1</a:t>
+              <a:t>2022/9/5</a:t>
             </a:fld>
             <a:endParaRPr kumimoji="1" lang="ja-JP" altLang="en-US"/>
           </a:p>
@@ -2535,7 +3007,7 @@
           <a:p>
             <a:fld id="{F2FDE67C-D5CA-49B5-B548-8E8620E714CB}" type="datetimeFigureOut">
               <a:rPr kumimoji="1" lang="ja-JP" altLang="en-US" smtClean="0"/>
-              <a:t>2022/9/1</a:t>
+              <a:t>2022/9/5</a:t>
             </a:fld>
             <a:endParaRPr kumimoji="1" lang="ja-JP" altLang="en-US"/>
           </a:p>
@@ -2788,7 +3260,7 @@
           <a:p>
             <a:fld id="{F2FDE67C-D5CA-49B5-B548-8E8620E714CB}" type="datetimeFigureOut">
               <a:rPr kumimoji="1" lang="ja-JP" altLang="en-US" smtClean="0"/>
-              <a:t>2022/9/1</a:t>
+              <a:t>2022/9/5</a:t>
             </a:fld>
             <a:endParaRPr kumimoji="1" lang="ja-JP" altLang="en-US"/>
           </a:p>
@@ -3033,7 +3505,7 @@
           <a:p>
             <a:fld id="{F2FDE67C-D5CA-49B5-B548-8E8620E714CB}" type="datetimeFigureOut">
               <a:rPr kumimoji="1" lang="ja-JP" altLang="en-US" smtClean="0"/>
-              <a:t>2022/9/1</a:t>
+              <a:t>2022/9/5</a:t>
             </a:fld>
             <a:endParaRPr kumimoji="1" lang="ja-JP" altLang="en-US"/>
           </a:p>
@@ -3410,6 +3882,25 @@
       </p:grpSpPr>
       <p:sp>
         <p:nvSpPr>
+          <p:cNvPr id="3" name="サブタイトル 2"/>
+          <p:cNvSpPr>
+            <a:spLocks noGrp="1"/>
+          </p:cNvSpPr>
+          <p:nvPr>
+            <p:ph type="subTitle" idx="1"/>
+          </p:nvPr>
+        </p:nvSpPr>
+        <p:spPr/>
+        <p:txBody>
+          <a:bodyPr/>
+          <a:lstStyle/>
+          <a:p>
+            <a:endParaRPr kumimoji="1" lang="ja-JP" altLang="en-US" dirty="0"/>
+          </a:p>
+        </p:txBody>
+      </p:sp>
+      <p:sp>
+        <p:nvSpPr>
           <p:cNvPr id="2" name="タイトル 1"/>
           <p:cNvSpPr>
             <a:spLocks noGrp="1"/>
@@ -3424,36 +3915,50 @@
           <a:lstStyle/>
           <a:p>
             <a:r>
-              <a:rPr kumimoji="1" lang="en-US" altLang="ja-JP" dirty="0" err="1" smtClean="0"/>
+              <a:rPr kumimoji="1" lang="en-US" altLang="ja-JP" dirty="0" err="1" smtClean="0">
+                <a:latin typeface="FTTP-ロダン墨東 M" panose="02000600000000000000" pitchFamily="2" charset="-128"/>
+                <a:ea typeface="FTTP-ロダン墨東 M" panose="02000600000000000000" pitchFamily="2" charset="-128"/>
+              </a:rPr>
               <a:t>Qt</a:t>
             </a:r>
             <a:r>
-              <a:rPr kumimoji="1" lang="ja-JP" altLang="en-US" dirty="0" smtClean="0"/>
-              <a:t>チュートリアル</a:t>
-            </a:r>
-            <a:endParaRPr kumimoji="1" lang="ja-JP" altLang="en-US" dirty="0"/>
-          </a:p>
-        </p:txBody>
-      </p:sp>
-      <p:sp>
-        <p:nvSpPr>
-          <p:cNvPr id="3" name="サブタイトル 2"/>
-          <p:cNvSpPr>
-            <a:spLocks noGrp="1"/>
-          </p:cNvSpPr>
-          <p:nvPr>
-            <p:ph type="subTitle" idx="1"/>
-          </p:nvPr>
-        </p:nvSpPr>
-        <p:spPr/>
-        <p:txBody>
-          <a:bodyPr/>
-          <a:lstStyle/>
-          <a:p>
-            <a:endParaRPr kumimoji="1" lang="ja-JP" altLang="en-US"/>
-          </a:p>
-        </p:txBody>
-      </p:sp>
+              <a:rPr lang="ja-JP" altLang="en-US" dirty="0" smtClean="0">
+                <a:latin typeface="FTTP-ロダン墨東 M" panose="02000600000000000000" pitchFamily="2" charset="-128"/>
+                <a:ea typeface="FTTP-ロダン墨東 M" panose="02000600000000000000" pitchFamily="2" charset="-128"/>
+              </a:rPr>
+              <a:t>はじめました</a:t>
+            </a:r>
+            <a:endParaRPr kumimoji="1" lang="ja-JP" altLang="en-US" dirty="0">
+              <a:latin typeface="FTTP-ロダン墨東 M" panose="02000600000000000000" pitchFamily="2" charset="-128"/>
+              <a:ea typeface="FTTP-ロダン墨東 M" panose="02000600000000000000" pitchFamily="2" charset="-128"/>
+            </a:endParaRPr>
+          </a:p>
+        </p:txBody>
+      </p:sp>
+      <p:pic>
+        <p:nvPicPr>
+          <p:cNvPr id="4" name="図 3"/>
+          <p:cNvPicPr>
+            <a:picLocks noChangeAspect="1"/>
+          </p:cNvPicPr>
+          <p:nvPr/>
+        </p:nvPicPr>
+        <p:blipFill>
+          <a:blip r:embed="rId2"/>
+          <a:stretch>
+            <a:fillRect/>
+          </a:stretch>
+        </p:blipFill>
+        <p:spPr>
+          <a:xfrm>
+            <a:off x="3804009" y="3600450"/>
+            <a:ext cx="1535981" cy="1149055"/>
+          </a:xfrm>
+          <a:prstGeom prst="rect">
+            <a:avLst/>
+          </a:prstGeom>
+        </p:spPr>
+      </p:pic>
     </p:spTree>
     <p:extLst>
       <p:ext uri="{BB962C8B-B14F-4D97-AF65-F5344CB8AC3E}">
@@ -3496,45 +4001,68 @@
         </p:nvSpPr>
         <p:spPr/>
         <p:txBody>
+          <a:bodyPr>
+            <a:normAutofit fontScale="90000"/>
+          </a:bodyPr>
+          <a:lstStyle/>
+          <a:p>
+            <a:r>
+              <a:rPr kumimoji="1" lang="ja-JP" altLang="en-US" dirty="0" smtClean="0"/>
+              <a:t>プロジェクトのフォルダを移動</a:t>
+            </a:r>
+            <a:r>
+              <a:rPr kumimoji="1" lang="ja-JP" altLang="en-US" dirty="0" smtClean="0"/>
+              <a:t>する、共有する場合</a:t>
+            </a:r>
+            <a:endParaRPr kumimoji="1" lang="ja-JP" altLang="en-US" dirty="0"/>
+          </a:p>
+        </p:txBody>
+      </p:sp>
+      <p:sp>
+        <p:nvSpPr>
+          <p:cNvPr id="3" name="コンテンツ プレースホルダー 2"/>
+          <p:cNvSpPr>
+            <a:spLocks noGrp="1"/>
+          </p:cNvSpPr>
+          <p:nvPr>
+            <p:ph idx="1"/>
+          </p:nvPr>
+        </p:nvSpPr>
+        <p:spPr/>
+        <p:txBody>
           <a:bodyPr/>
           <a:lstStyle/>
           <a:p>
             <a:r>
+              <a:rPr lang="en-US" altLang="ja-JP" dirty="0"/>
+              <a:t>.</a:t>
+            </a:r>
+            <a:r>
+              <a:rPr lang="en-US" altLang="ja-JP" dirty="0" smtClean="0"/>
+              <a:t>user</a:t>
+            </a:r>
+            <a:r>
+              <a:rPr lang="ja-JP" altLang="en-US" dirty="0"/>
+              <a:t>ファイル</a:t>
+            </a:r>
+            <a:r>
+              <a:rPr lang="ja-JP" altLang="en-US" dirty="0" smtClean="0"/>
+              <a:t>は共有しない</a:t>
+            </a:r>
+            <a:endParaRPr lang="en-US" altLang="ja-JP" dirty="0" smtClean="0"/>
+          </a:p>
+          <a:p>
+            <a:r>
+              <a:rPr kumimoji="1" lang="en-US" altLang="ja-JP" dirty="0" smtClean="0"/>
+              <a:t>.</a:t>
+            </a:r>
+            <a:r>
               <a:rPr kumimoji="1" lang="en-US" altLang="ja-JP" dirty="0" err="1" smtClean="0"/>
-              <a:t>Qt</a:t>
+              <a:t>gitignore</a:t>
             </a:r>
             <a:r>
               <a:rPr kumimoji="1" lang="ja-JP" altLang="en-US" dirty="0" smtClean="0"/>
-              <a:t>クリエーター</a:t>
-            </a:r>
-            <a:endParaRPr kumimoji="1" lang="ja-JP" altLang="en-US" dirty="0"/>
-          </a:p>
-        </p:txBody>
-      </p:sp>
-      <p:sp>
-        <p:nvSpPr>
-          <p:cNvPr id="3" name="コンテンツ プレースホルダー 2"/>
-          <p:cNvSpPr>
-            <a:spLocks noGrp="1"/>
-          </p:cNvSpPr>
-          <p:nvPr>
-            <p:ph idx="1"/>
-          </p:nvPr>
-        </p:nvSpPr>
-        <p:spPr/>
-        <p:txBody>
-          <a:bodyPr>
-            <a:normAutofit/>
-          </a:bodyPr>
-          <a:lstStyle/>
-          <a:p>
-            <a:r>
-              <a:rPr lang="ja-JP" altLang="en-US" dirty="0" smtClean="0"/>
-              <a:t>ロケーター機能 </a:t>
-            </a:r>
-            <a:r>
-              <a:rPr lang="en-US" altLang="ja-JP" dirty="0" smtClean="0"/>
-              <a:t>Ctrl + K</a:t>
+              <a:t>に記述する</a:t>
             </a:r>
             <a:endParaRPr kumimoji="1" lang="ja-JP" altLang="en-US" dirty="0"/>
           </a:p>
@@ -3542,7 +4070,7 @@
       </p:sp>
       <p:pic>
         <p:nvPicPr>
-          <p:cNvPr id="6147" name="Picture 3"/>
+          <p:cNvPr id="4" name="Picture 2"/>
           <p:cNvPicPr>
             <a:picLocks noChangeAspect="1" noChangeArrowheads="1"/>
           </p:cNvPicPr>
@@ -3563,8 +4091,947 @@
         </p:blipFill>
         <p:spPr bwMode="auto">
           <a:xfrm>
-            <a:off x="912980" y="2421172"/>
-            <a:ext cx="5616624" cy="2795556"/>
+            <a:off x="1187624" y="2852936"/>
+            <a:ext cx="3096344" cy="3665611"/>
+          </a:xfrm>
+          <a:prstGeom prst="rect">
+            <a:avLst/>
+          </a:prstGeom>
+          <a:noFill/>
+          <a:ln>
+            <a:noFill/>
+          </a:ln>
+          <a:effectLst/>
+          <a:extLst>
+            <a:ext uri="{909E8E84-426E-40DD-AFC4-6F175D3DCCD1}">
+              <a14:hiddenFill xmlns:a14="http://schemas.microsoft.com/office/drawing/2010/main">
+                <a:solidFill>
+                  <a:schemeClr val="accent1"/>
+                </a:solidFill>
+              </a14:hiddenFill>
+            </a:ext>
+            <a:ext uri="{91240B29-F687-4F45-9708-019B960494DF}">
+              <a14:hiddenLine xmlns:a14="http://schemas.microsoft.com/office/drawing/2010/main" w="9525">
+                <a:solidFill>
+                  <a:schemeClr val="tx1"/>
+                </a:solidFill>
+                <a:miter lim="800000"/>
+                <a:headEnd/>
+                <a:tailEnd/>
+              </a14:hiddenLine>
+            </a:ext>
+            <a:ext uri="{AF507438-7753-43E0-B8FC-AC1667EBCBE1}">
+              <a14:hiddenEffects xmlns:a14="http://schemas.microsoft.com/office/drawing/2010/main">
+                <a:effectLst>
+                  <a:outerShdw dist="35921" dir="2700000" algn="ctr" rotWithShape="0">
+                    <a:schemeClr val="bg2"/>
+                  </a:outerShdw>
+                </a:effectLst>
+              </a14:hiddenEffects>
+            </a:ext>
+          </a:extLst>
+        </p:spPr>
+      </p:pic>
+      <p:sp>
+        <p:nvSpPr>
+          <p:cNvPr id="5" name="正方形/長方形 4"/>
+          <p:cNvSpPr/>
+          <p:nvPr/>
+        </p:nvSpPr>
+        <p:spPr>
+          <a:xfrm>
+            <a:off x="4644008" y="3429000"/>
+            <a:ext cx="3672408" cy="1754326"/>
+          </a:xfrm>
+          <a:prstGeom prst="rect">
+            <a:avLst/>
+          </a:prstGeom>
+        </p:spPr>
+        <p:txBody>
+          <a:bodyPr wrap="square">
+            <a:spAutoFit/>
+          </a:bodyPr>
+          <a:lstStyle/>
+          <a:p>
+            <a:r>
+              <a:rPr lang="en-US" altLang="ja-JP" dirty="0" smtClean="0">
+                <a:hlinkClick r:id="rId3"/>
+              </a:rPr>
+              <a:t>https://</a:t>
+            </a:r>
+            <a:r>
+              <a:rPr lang="en-US" altLang="ja-JP" dirty="0" smtClean="0">
+                <a:hlinkClick r:id="rId3"/>
+              </a:rPr>
+              <a:t>github.com/github/gitignore</a:t>
+            </a:r>
+            <a:endParaRPr lang="en-US" altLang="ja-JP" dirty="0" smtClean="0"/>
+          </a:p>
+          <a:p>
+            <a:endParaRPr lang="en-US" altLang="ja-JP" dirty="0" smtClean="0"/>
+          </a:p>
+          <a:p>
+            <a:r>
+              <a:rPr lang="en-US" altLang="ja-JP" dirty="0" err="1" smtClean="0"/>
+              <a:t>Qt</a:t>
+            </a:r>
+            <a:r>
+              <a:rPr lang="ja-JP" altLang="en-US" dirty="0" smtClean="0"/>
+              <a:t>の</a:t>
+            </a:r>
+            <a:r>
+              <a:rPr lang="en-US" altLang="ja-JP" dirty="0" smtClean="0"/>
+              <a:t>.</a:t>
+            </a:r>
+            <a:r>
+              <a:rPr lang="en-US" altLang="ja-JP" dirty="0" err="1" smtClean="0"/>
+              <a:t>gitignore</a:t>
+            </a:r>
+            <a:endParaRPr lang="en-US" altLang="ja-JP" dirty="0"/>
+          </a:p>
+          <a:p>
+            <a:r>
+              <a:rPr lang="en-US" altLang="ja-JP" dirty="0">
+                <a:hlinkClick r:id="rId4"/>
+              </a:rPr>
+              <a:t>https://</a:t>
+            </a:r>
+            <a:r>
+              <a:rPr lang="en-US" altLang="ja-JP" dirty="0" smtClean="0">
+                <a:hlinkClick r:id="rId4"/>
+              </a:rPr>
+              <a:t>github.com/github/gitignore/blob/main/Qt.gitignore</a:t>
+            </a:r>
+            <a:endParaRPr lang="en-US" altLang="ja-JP" dirty="0" smtClean="0"/>
+          </a:p>
+          <a:p>
+            <a:endParaRPr lang="ja-JP" altLang="en-US" dirty="0"/>
+          </a:p>
+        </p:txBody>
+      </p:sp>
+    </p:spTree>
+    <p:extLst>
+      <p:ext uri="{BB962C8B-B14F-4D97-AF65-F5344CB8AC3E}">
+        <p14:creationId xmlns:p14="http://schemas.microsoft.com/office/powerpoint/2010/main" val="2281297566"/>
+      </p:ext>
+    </p:extLst>
+  </p:cSld>
+  <p:clrMapOvr>
+    <a:masterClrMapping/>
+  </p:clrMapOvr>
+</p:sld>
+</file>
+
+<file path=ppt/slides/slide11.xml><?xml version="1.0" encoding="utf-8"?>
+<p:sld xmlns:a="http://schemas.openxmlformats.org/drawingml/2006/main" xmlns:r="http://schemas.openxmlformats.org/officeDocument/2006/relationships" xmlns:p="http://schemas.openxmlformats.org/presentationml/2006/main">
+  <p:cSld>
+    <p:spTree>
+      <p:nvGrpSpPr>
+        <p:cNvPr id="1" name=""/>
+        <p:cNvGrpSpPr/>
+        <p:nvPr/>
+      </p:nvGrpSpPr>
+      <p:grpSpPr>
+        <a:xfrm>
+          <a:off x="0" y="0"/>
+          <a:ext cx="0" cy="0"/>
+          <a:chOff x="0" y="0"/>
+          <a:chExt cx="0" cy="0"/>
+        </a:xfrm>
+      </p:grpSpPr>
+      <p:sp>
+        <p:nvSpPr>
+          <p:cNvPr id="2" name="タイトル 1"/>
+          <p:cNvSpPr>
+            <a:spLocks noGrp="1"/>
+          </p:cNvSpPr>
+          <p:nvPr>
+            <p:ph type="title"/>
+          </p:nvPr>
+        </p:nvSpPr>
+        <p:spPr/>
+        <p:txBody>
+          <a:bodyPr/>
+          <a:lstStyle/>
+          <a:p>
+            <a:r>
+              <a:rPr kumimoji="1" lang="ja-JP" altLang="en-US" dirty="0" smtClean="0"/>
+              <a:t>国際化（言語ファイルの作成）</a:t>
+            </a:r>
+            <a:endParaRPr kumimoji="1" lang="ja-JP" altLang="en-US" dirty="0"/>
+          </a:p>
+        </p:txBody>
+      </p:sp>
+      <p:sp>
+        <p:nvSpPr>
+          <p:cNvPr id="3" name="コンテンツ プレースホルダー 2"/>
+          <p:cNvSpPr>
+            <a:spLocks noGrp="1"/>
+          </p:cNvSpPr>
+          <p:nvPr>
+            <p:ph idx="1"/>
+          </p:nvPr>
+        </p:nvSpPr>
+        <p:spPr/>
+        <p:txBody>
+          <a:bodyPr>
+            <a:normAutofit/>
+          </a:bodyPr>
+          <a:lstStyle/>
+          <a:p>
+            <a:r>
+              <a:rPr lang="ja-JP" altLang="en-US" sz="1200" dirty="0" smtClean="0"/>
+              <a:t>文字列を</a:t>
+            </a:r>
+            <a:r>
+              <a:rPr lang="en-US" altLang="ja-JP" sz="1200" dirty="0" err="1" smtClean="0"/>
+              <a:t>tr</a:t>
+            </a:r>
+            <a:r>
+              <a:rPr lang="en-US" altLang="ja-JP" sz="1200" dirty="0" smtClean="0"/>
+              <a:t>()</a:t>
+            </a:r>
+            <a:r>
+              <a:rPr lang="ja-JP" altLang="en-US" sz="1200" dirty="0" smtClean="0"/>
+              <a:t>で囲んだものと</a:t>
+            </a:r>
+            <a:r>
+              <a:rPr lang="en-US" altLang="ja-JP" sz="1200" dirty="0" smtClean="0"/>
+              <a:t>.</a:t>
+            </a:r>
+            <a:r>
+              <a:rPr lang="en-US" altLang="ja-JP" sz="1200" dirty="0" err="1" smtClean="0"/>
+              <a:t>ui</a:t>
+            </a:r>
+            <a:r>
+              <a:rPr lang="ja-JP" altLang="en-US" sz="1200" dirty="0" smtClean="0"/>
+              <a:t>ファイルで作ったテキストが対象。</a:t>
+            </a:r>
+            <a:endParaRPr lang="en-US" altLang="ja-JP" sz="1200" dirty="0" smtClean="0"/>
+          </a:p>
+          <a:p>
+            <a:endParaRPr lang="en-US" altLang="ja-JP" sz="1200" dirty="0" smtClean="0"/>
+          </a:p>
+          <a:p>
+            <a:endParaRPr lang="en-US" altLang="ja-JP" sz="1200" dirty="0" smtClean="0"/>
+          </a:p>
+          <a:p>
+            <a:r>
+              <a:rPr lang="ja-JP" altLang="en-US" sz="1200" dirty="0" smtClean="0"/>
+              <a:t>左（←）元の</a:t>
+            </a:r>
+            <a:r>
+              <a:rPr lang="en-US" altLang="ja-JP" sz="1200" dirty="0" err="1" smtClean="0"/>
+              <a:t>ui</a:t>
+            </a:r>
+            <a:r>
+              <a:rPr lang="ja-JP" altLang="en-US" sz="1200" dirty="0" err="1" smtClean="0"/>
+              <a:t>、</a:t>
+            </a:r>
+            <a:r>
+              <a:rPr lang="ja-JP" altLang="en-US" sz="1200" dirty="0" smtClean="0"/>
+              <a:t>右（→）が言語ファイル</a:t>
+            </a:r>
+            <a:r>
+              <a:rPr lang="en-US" altLang="ja-JP" sz="1200" dirty="0" smtClean="0"/>
+              <a:t>(.</a:t>
+            </a:r>
+            <a:r>
+              <a:rPr lang="en-US" altLang="ja-JP" sz="1200" dirty="0" err="1" smtClean="0"/>
+              <a:t>ts</a:t>
+            </a:r>
+            <a:r>
+              <a:rPr lang="ja-JP" altLang="en-US" sz="1200" dirty="0" smtClean="0"/>
+              <a:t>）の作っている</a:t>
+            </a:r>
+            <a:r>
+              <a:rPr lang="en-US" altLang="ja-JP" sz="1200" dirty="0"/>
+              <a:t>Linguist</a:t>
+            </a:r>
+            <a:r>
+              <a:rPr lang="ja-JP" altLang="en-US" sz="1200" dirty="0" smtClean="0"/>
+              <a:t>ツール</a:t>
+            </a:r>
+            <a:r>
+              <a:rPr lang="ja-JP" altLang="en-US" sz="1200" dirty="0"/>
+              <a:t>の</a:t>
+            </a:r>
+            <a:r>
+              <a:rPr lang="ja-JP" altLang="en-US" sz="1200" dirty="0" smtClean="0"/>
+              <a:t>画面</a:t>
+            </a:r>
+            <a:endParaRPr lang="en-US" altLang="ja-JP" sz="1200" dirty="0" smtClean="0"/>
+          </a:p>
+          <a:p>
+            <a:pPr lvl="1">
+              <a:buFont typeface="+mj-lt"/>
+              <a:buAutoNum type="arabicPeriod"/>
+            </a:pPr>
+            <a:r>
+              <a:rPr kumimoji="1" lang="en-US" altLang="ja-JP" sz="800" dirty="0" smtClean="0"/>
+              <a:t>.</a:t>
+            </a:r>
+            <a:r>
+              <a:rPr lang="en-US" altLang="ja-JP" sz="800" dirty="0" err="1" smtClean="0"/>
+              <a:t>u</a:t>
+            </a:r>
+            <a:r>
+              <a:rPr kumimoji="1" lang="en-US" altLang="ja-JP" sz="800" dirty="0" err="1" smtClean="0"/>
+              <a:t>i</a:t>
+            </a:r>
+            <a:r>
+              <a:rPr kumimoji="1" lang="ja-JP" altLang="en-US" sz="800" dirty="0" smtClean="0"/>
+              <a:t>ファイルを更新する。</a:t>
+            </a:r>
+            <a:endParaRPr kumimoji="1" lang="en-US" altLang="ja-JP" sz="800" dirty="0" smtClean="0"/>
+          </a:p>
+          <a:p>
+            <a:pPr lvl="1">
+              <a:buFont typeface="+mj-lt"/>
+              <a:buAutoNum type="arabicPeriod"/>
+            </a:pPr>
+            <a:r>
+              <a:rPr lang="en-US" altLang="ja-JP" sz="800" dirty="0" smtClean="0"/>
+              <a:t>Tool-&gt;</a:t>
+            </a:r>
+            <a:r>
+              <a:rPr lang="ja-JP" altLang="en-US" sz="800" dirty="0" smtClean="0"/>
+              <a:t>外部ツール</a:t>
+            </a:r>
+            <a:r>
+              <a:rPr lang="en-US" altLang="ja-JP" sz="800" dirty="0" smtClean="0"/>
+              <a:t>-&gt;Linguist</a:t>
+            </a:r>
+            <a:r>
+              <a:rPr lang="ja-JP" altLang="en-US" sz="800" dirty="0" smtClean="0"/>
+              <a:t>ツール→</a:t>
+            </a:r>
+            <a:r>
+              <a:rPr lang="en-US" altLang="ja-JP" sz="800" dirty="0" err="1" smtClean="0"/>
+              <a:t>UpdateTranslations</a:t>
+            </a:r>
+            <a:r>
+              <a:rPr lang="ja-JP" altLang="en-US" sz="800" dirty="0" smtClean="0"/>
+              <a:t>→</a:t>
+            </a:r>
+            <a:r>
+              <a:rPr lang="en-US" altLang="ja-JP" sz="800" dirty="0" err="1" smtClean="0"/>
+              <a:t>ts</a:t>
+            </a:r>
+            <a:r>
+              <a:rPr lang="ja-JP" altLang="en-US" sz="800" dirty="0" smtClean="0"/>
+              <a:t>ファイルを更新</a:t>
+            </a:r>
+            <a:endParaRPr lang="en-US" altLang="ja-JP" sz="800" dirty="0" smtClean="0"/>
+          </a:p>
+          <a:p>
+            <a:pPr lvl="1">
+              <a:buFont typeface="+mj-lt"/>
+              <a:buAutoNum type="arabicPeriod"/>
+            </a:pPr>
+            <a:r>
+              <a:rPr lang="ja-JP" altLang="en-US" sz="800" dirty="0" smtClean="0"/>
+              <a:t>別ルールの</a:t>
+            </a:r>
+            <a:r>
+              <a:rPr lang="en-US" altLang="ja-JP" sz="800" dirty="0" smtClean="0"/>
+              <a:t>Linguist</a:t>
+            </a:r>
+            <a:r>
+              <a:rPr lang="ja-JP" altLang="en-US" sz="800" dirty="0" smtClean="0"/>
+              <a:t>から</a:t>
+            </a:r>
+            <a:r>
+              <a:rPr lang="en-US" altLang="ja-JP" sz="800" dirty="0" smtClean="0"/>
+              <a:t>.</a:t>
+            </a:r>
+            <a:r>
+              <a:rPr lang="en-US" altLang="ja-JP" sz="800" dirty="0" err="1" smtClean="0"/>
+              <a:t>ts</a:t>
+            </a:r>
+            <a:r>
+              <a:rPr lang="ja-JP" altLang="en-US" sz="800" dirty="0" smtClean="0"/>
+              <a:t>ファイルを開き、翻訳語のテキスト情報を更新する。</a:t>
+            </a:r>
+            <a:endParaRPr lang="en-US" altLang="ja-JP" sz="800" dirty="0"/>
+          </a:p>
+        </p:txBody>
+      </p:sp>
+      <p:pic>
+        <p:nvPicPr>
+          <p:cNvPr id="4" name="図 3"/>
+          <p:cNvPicPr>
+            <a:picLocks noChangeAspect="1"/>
+          </p:cNvPicPr>
+          <p:nvPr/>
+        </p:nvPicPr>
+        <p:blipFill>
+          <a:blip r:embed="rId2" cstate="print">
+            <a:extLst>
+              <a:ext uri="{28A0092B-C50C-407E-A947-70E740481C1C}">
+                <a14:useLocalDpi xmlns:a14="http://schemas.microsoft.com/office/drawing/2010/main" val="0"/>
+              </a:ext>
+            </a:extLst>
+          </a:blip>
+          <a:stretch>
+            <a:fillRect/>
+          </a:stretch>
+        </p:blipFill>
+        <p:spPr>
+          <a:xfrm>
+            <a:off x="5076056" y="3933056"/>
+            <a:ext cx="3096344" cy="2152502"/>
+          </a:xfrm>
+          <a:prstGeom prst="rect">
+            <a:avLst/>
+          </a:prstGeom>
+        </p:spPr>
+      </p:pic>
+      <p:pic>
+        <p:nvPicPr>
+          <p:cNvPr id="5" name="図 4"/>
+          <p:cNvPicPr>
+            <a:picLocks noChangeAspect="1"/>
+          </p:cNvPicPr>
+          <p:nvPr/>
+        </p:nvPicPr>
+        <p:blipFill>
+          <a:blip r:embed="rId3" cstate="print">
+            <a:extLst>
+              <a:ext uri="{28A0092B-C50C-407E-A947-70E740481C1C}">
+                <a14:useLocalDpi xmlns:a14="http://schemas.microsoft.com/office/drawing/2010/main" val="0"/>
+              </a:ext>
+            </a:extLst>
+          </a:blip>
+          <a:stretch>
+            <a:fillRect/>
+          </a:stretch>
+        </p:blipFill>
+        <p:spPr>
+          <a:xfrm>
+            <a:off x="535003" y="3933056"/>
+            <a:ext cx="3906031" cy="2111698"/>
+          </a:xfrm>
+          <a:prstGeom prst="rect">
+            <a:avLst/>
+          </a:prstGeom>
+        </p:spPr>
+      </p:pic>
+      <p:pic>
+        <p:nvPicPr>
+          <p:cNvPr id="6" name="図 5"/>
+          <p:cNvPicPr>
+            <a:picLocks noChangeAspect="1"/>
+          </p:cNvPicPr>
+          <p:nvPr/>
+        </p:nvPicPr>
+        <p:blipFill>
+          <a:blip r:embed="rId4"/>
+          <a:stretch>
+            <a:fillRect/>
+          </a:stretch>
+        </p:blipFill>
+        <p:spPr>
+          <a:xfrm>
+            <a:off x="4860032" y="3140968"/>
+            <a:ext cx="1800200" cy="663952"/>
+          </a:xfrm>
+          <a:prstGeom prst="rect">
+            <a:avLst/>
+          </a:prstGeom>
+        </p:spPr>
+      </p:pic>
+      <p:sp>
+        <p:nvSpPr>
+          <p:cNvPr id="8" name="円/楕円 8"/>
+          <p:cNvSpPr/>
+          <p:nvPr/>
+        </p:nvSpPr>
+        <p:spPr>
+          <a:xfrm>
+            <a:off x="4887448" y="3504832"/>
+            <a:ext cx="1745368" cy="288032"/>
+          </a:xfrm>
+          <a:prstGeom prst="ellipse">
+            <a:avLst/>
+          </a:prstGeom>
+          <a:noFill/>
+          <a:ln>
+            <a:solidFill>
+              <a:srgbClr val="FF0000"/>
+            </a:solidFill>
+          </a:ln>
+        </p:spPr>
+        <p:style>
+          <a:lnRef idx="2">
+            <a:schemeClr val="accent1">
+              <a:shade val="50000"/>
+            </a:schemeClr>
+          </a:lnRef>
+          <a:fillRef idx="1">
+            <a:schemeClr val="accent1"/>
+          </a:fillRef>
+          <a:effectRef idx="0">
+            <a:schemeClr val="accent1"/>
+          </a:effectRef>
+          <a:fontRef idx="minor">
+            <a:schemeClr val="lt1"/>
+          </a:fontRef>
+        </p:style>
+        <p:txBody>
+          <a:bodyPr rtlCol="0" anchor="ctr"/>
+          <a:lstStyle/>
+          <a:p>
+            <a:pPr algn="ctr"/>
+            <a:endParaRPr kumimoji="1" lang="ja-JP" altLang="en-US"/>
+          </a:p>
+        </p:txBody>
+      </p:sp>
+      <p:cxnSp>
+        <p:nvCxnSpPr>
+          <p:cNvPr id="9" name="直線矢印コネクタ 8"/>
+          <p:cNvCxnSpPr/>
+          <p:nvPr/>
+        </p:nvCxnSpPr>
+        <p:spPr>
+          <a:xfrm>
+            <a:off x="5508104" y="3801432"/>
+            <a:ext cx="288032" cy="419656"/>
+          </a:xfrm>
+          <a:prstGeom prst="straightConnector1">
+            <a:avLst/>
+          </a:prstGeom>
+          <a:ln w="12700">
+            <a:solidFill>
+              <a:srgbClr val="FF0000"/>
+            </a:solidFill>
+            <a:tailEnd type="arrow"/>
+          </a:ln>
+        </p:spPr>
+        <p:style>
+          <a:lnRef idx="1">
+            <a:schemeClr val="accent1"/>
+          </a:lnRef>
+          <a:fillRef idx="0">
+            <a:schemeClr val="accent1"/>
+          </a:fillRef>
+          <a:effectRef idx="0">
+            <a:schemeClr val="accent1"/>
+          </a:effectRef>
+          <a:fontRef idx="minor">
+            <a:schemeClr val="tx1"/>
+          </a:fontRef>
+        </p:style>
+      </p:cxnSp>
+      <p:sp>
+        <p:nvSpPr>
+          <p:cNvPr id="12" name="円/楕円 8"/>
+          <p:cNvSpPr/>
+          <p:nvPr/>
+        </p:nvSpPr>
+        <p:spPr>
+          <a:xfrm>
+            <a:off x="5580112" y="5345688"/>
+            <a:ext cx="720080" cy="387568"/>
+          </a:xfrm>
+          <a:prstGeom prst="ellipse">
+            <a:avLst/>
+          </a:prstGeom>
+          <a:noFill/>
+          <a:ln>
+            <a:solidFill>
+              <a:srgbClr val="FF0000"/>
+            </a:solidFill>
+          </a:ln>
+        </p:spPr>
+        <p:style>
+          <a:lnRef idx="2">
+            <a:schemeClr val="accent1">
+              <a:shade val="50000"/>
+            </a:schemeClr>
+          </a:lnRef>
+          <a:fillRef idx="1">
+            <a:schemeClr val="accent1"/>
+          </a:fillRef>
+          <a:effectRef idx="0">
+            <a:schemeClr val="accent1"/>
+          </a:effectRef>
+          <a:fontRef idx="minor">
+            <a:schemeClr val="lt1"/>
+          </a:fontRef>
+        </p:style>
+        <p:txBody>
+          <a:bodyPr rtlCol="0" anchor="ctr"/>
+          <a:lstStyle/>
+          <a:p>
+            <a:pPr algn="ctr"/>
+            <a:endParaRPr kumimoji="1" lang="ja-JP" altLang="en-US"/>
+          </a:p>
+        </p:txBody>
+      </p:sp>
+      <p:pic>
+        <p:nvPicPr>
+          <p:cNvPr id="11" name="図 10"/>
+          <p:cNvPicPr>
+            <a:picLocks noChangeAspect="1"/>
+          </p:cNvPicPr>
+          <p:nvPr/>
+        </p:nvPicPr>
+        <p:blipFill>
+          <a:blip r:embed="rId5"/>
+          <a:stretch>
+            <a:fillRect/>
+          </a:stretch>
+        </p:blipFill>
+        <p:spPr>
+          <a:xfrm>
+            <a:off x="971600" y="1894969"/>
+            <a:ext cx="1728192" cy="315628"/>
+          </a:xfrm>
+          <a:prstGeom prst="rect">
+            <a:avLst/>
+          </a:prstGeom>
+        </p:spPr>
+      </p:pic>
+    </p:spTree>
+    <p:extLst>
+      <p:ext uri="{BB962C8B-B14F-4D97-AF65-F5344CB8AC3E}">
+        <p14:creationId xmlns:p14="http://schemas.microsoft.com/office/powerpoint/2010/main" val="4106844784"/>
+      </p:ext>
+    </p:extLst>
+  </p:cSld>
+  <p:clrMapOvr>
+    <a:masterClrMapping/>
+  </p:clrMapOvr>
+</p:sld>
+</file>
+
+<file path=ppt/slides/slide12.xml><?xml version="1.0" encoding="utf-8"?>
+<p:sld xmlns:a="http://schemas.openxmlformats.org/drawingml/2006/main" xmlns:r="http://schemas.openxmlformats.org/officeDocument/2006/relationships" xmlns:p="http://schemas.openxmlformats.org/presentationml/2006/main">
+  <p:cSld>
+    <p:spTree>
+      <p:nvGrpSpPr>
+        <p:cNvPr id="1" name=""/>
+        <p:cNvGrpSpPr/>
+        <p:nvPr/>
+      </p:nvGrpSpPr>
+      <p:grpSpPr>
+        <a:xfrm>
+          <a:off x="0" y="0"/>
+          <a:ext cx="0" cy="0"/>
+          <a:chOff x="0" y="0"/>
+          <a:chExt cx="0" cy="0"/>
+        </a:xfrm>
+      </p:grpSpPr>
+      <p:sp>
+        <p:nvSpPr>
+          <p:cNvPr id="2" name="タイトル 1"/>
+          <p:cNvSpPr>
+            <a:spLocks noGrp="1"/>
+          </p:cNvSpPr>
+          <p:nvPr>
+            <p:ph type="title"/>
+          </p:nvPr>
+        </p:nvSpPr>
+        <p:spPr/>
+        <p:txBody>
+          <a:bodyPr>
+            <a:normAutofit/>
+          </a:bodyPr>
+          <a:lstStyle/>
+          <a:p>
+            <a:r>
+              <a:rPr kumimoji="1" lang="en-US" altLang="ja-JP" dirty="0" smtClean="0"/>
+              <a:t>(.exe)</a:t>
+            </a:r>
+            <a:r>
+              <a:rPr kumimoji="1" lang="ja-JP" altLang="en-US" dirty="0" smtClean="0"/>
+              <a:t>実行ファイルなど</a:t>
+            </a:r>
+            <a:r>
+              <a:rPr lang="ja-JP" altLang="en-US" dirty="0" smtClean="0"/>
+              <a:t>の出力先</a:t>
+            </a:r>
+            <a:endParaRPr kumimoji="1" lang="ja-JP" altLang="en-US" dirty="0"/>
+          </a:p>
+        </p:txBody>
+      </p:sp>
+      <p:sp>
+        <p:nvSpPr>
+          <p:cNvPr id="7" name="コンテンツ プレースホルダー 6"/>
+          <p:cNvSpPr>
+            <a:spLocks noGrp="1"/>
+          </p:cNvSpPr>
+          <p:nvPr>
+            <p:ph idx="1"/>
+          </p:nvPr>
+        </p:nvSpPr>
+        <p:spPr/>
+        <p:txBody>
+          <a:bodyPr/>
+          <a:lstStyle/>
+          <a:p>
+            <a:r>
+              <a:rPr lang="ja-JP" altLang="en-US" dirty="0" smtClean="0"/>
+              <a:t>プロジェクトフォルダの一つ上に</a:t>
+            </a:r>
+            <a:r>
+              <a:rPr lang="en-US" altLang="ja-JP" dirty="0" smtClean="0"/>
+              <a:t>build***</a:t>
+            </a:r>
+            <a:r>
+              <a:rPr lang="ja-JP" altLang="en-US" dirty="0" smtClean="0"/>
+              <a:t>フォルダが作られるので</a:t>
+            </a:r>
+            <a:r>
+              <a:rPr lang="en-US" altLang="ja-JP" dirty="0" smtClean="0"/>
+              <a:t>exe</a:t>
+            </a:r>
+            <a:r>
+              <a:rPr lang="ja-JP" altLang="en-US" dirty="0" smtClean="0"/>
+              <a:t>ファイルが作られる。</a:t>
+            </a:r>
+            <a:endParaRPr lang="en-US" altLang="ja-JP" dirty="0" smtClean="0"/>
+          </a:p>
+          <a:p>
+            <a:r>
+              <a:rPr lang="ja-JP" altLang="en-US" dirty="0" smtClean="0"/>
+              <a:t>その中には</a:t>
+            </a:r>
+            <a:r>
+              <a:rPr lang="en-US" altLang="ja-JP" dirty="0" smtClean="0"/>
+              <a:t>.</a:t>
+            </a:r>
+            <a:r>
+              <a:rPr lang="en-US" altLang="ja-JP" dirty="0" err="1" smtClean="0"/>
+              <a:t>ui</a:t>
+            </a:r>
+            <a:r>
+              <a:rPr lang="ja-JP" altLang="en-US" dirty="0" smtClean="0"/>
+              <a:t>の編集で作られた。中間生成物である</a:t>
+            </a:r>
+            <a:r>
+              <a:rPr lang="en-US" altLang="ja-JP" dirty="0" err="1" smtClean="0"/>
+              <a:t>ui_widget.h</a:t>
+            </a:r>
+            <a:r>
+              <a:rPr lang="ja-JP" altLang="en-US" dirty="0" smtClean="0"/>
+              <a:t>などのソースコードが作られるので</a:t>
+            </a:r>
+            <a:r>
+              <a:rPr lang="en-US" altLang="ja-JP" dirty="0" smtClean="0"/>
+              <a:t>.</a:t>
+            </a:r>
+            <a:r>
+              <a:rPr lang="en-US" altLang="ja-JP" dirty="0" err="1" smtClean="0"/>
+              <a:t>ui</a:t>
+            </a:r>
+            <a:r>
+              <a:rPr lang="ja-JP" altLang="en-US" dirty="0" smtClean="0"/>
+              <a:t>でうまくいかない場合の問題把握に使える。</a:t>
+            </a:r>
+            <a:endParaRPr kumimoji="1" lang="ja-JP" altLang="en-US" dirty="0"/>
+          </a:p>
+        </p:txBody>
+      </p:sp>
+    </p:spTree>
+    <p:extLst>
+      <p:ext uri="{BB962C8B-B14F-4D97-AF65-F5344CB8AC3E}">
+        <p14:creationId xmlns:p14="http://schemas.microsoft.com/office/powerpoint/2010/main" val="2823140751"/>
+      </p:ext>
+    </p:extLst>
+  </p:cSld>
+  <p:clrMapOvr>
+    <a:masterClrMapping/>
+  </p:clrMapOvr>
+</p:sld>
+</file>
+
+<file path=ppt/slides/slide13.xml><?xml version="1.0" encoding="utf-8"?>
+<p:sld xmlns:a="http://schemas.openxmlformats.org/drawingml/2006/main" xmlns:r="http://schemas.openxmlformats.org/officeDocument/2006/relationships" xmlns:p="http://schemas.openxmlformats.org/presentationml/2006/main">
+  <p:cSld>
+    <p:spTree>
+      <p:nvGrpSpPr>
+        <p:cNvPr id="1" name=""/>
+        <p:cNvGrpSpPr/>
+        <p:nvPr/>
+      </p:nvGrpSpPr>
+      <p:grpSpPr>
+        <a:xfrm>
+          <a:off x="0" y="0"/>
+          <a:ext cx="0" cy="0"/>
+          <a:chOff x="0" y="0"/>
+          <a:chExt cx="0" cy="0"/>
+        </a:xfrm>
+      </p:grpSpPr>
+      <p:sp>
+        <p:nvSpPr>
+          <p:cNvPr id="2" name="タイトル 1"/>
+          <p:cNvSpPr>
+            <a:spLocks noGrp="1"/>
+          </p:cNvSpPr>
+          <p:nvPr>
+            <p:ph type="title"/>
+          </p:nvPr>
+        </p:nvSpPr>
+        <p:spPr/>
+        <p:txBody>
+          <a:bodyPr/>
+          <a:lstStyle/>
+          <a:p>
+            <a:r>
+              <a:rPr kumimoji="1" lang="en-US" altLang="ja-JP" dirty="0" err="1" smtClean="0"/>
+              <a:t>Qt</a:t>
+            </a:r>
+            <a:r>
+              <a:rPr kumimoji="1" lang="en-US" altLang="ja-JP" dirty="0" smtClean="0"/>
+              <a:t> Creator </a:t>
+            </a:r>
+            <a:r>
+              <a:rPr kumimoji="1" lang="ja-JP" altLang="en-US" dirty="0" smtClean="0"/>
+              <a:t>よく使う機能</a:t>
+            </a:r>
+            <a:endParaRPr kumimoji="1" lang="ja-JP" altLang="en-US" dirty="0"/>
+          </a:p>
+        </p:txBody>
+      </p:sp>
+      <p:sp>
+        <p:nvSpPr>
+          <p:cNvPr id="3" name="コンテンツ プレースホルダー 2"/>
+          <p:cNvSpPr>
+            <a:spLocks noGrp="1"/>
+          </p:cNvSpPr>
+          <p:nvPr>
+            <p:ph idx="1"/>
+          </p:nvPr>
+        </p:nvSpPr>
+        <p:spPr/>
+        <p:txBody>
+          <a:bodyPr>
+            <a:normAutofit fontScale="85000" lnSpcReduction="20000"/>
+          </a:bodyPr>
+          <a:lstStyle/>
+          <a:p>
+            <a:r>
+              <a:rPr lang="ja-JP" altLang="en-US" dirty="0" smtClean="0"/>
+              <a:t>ウィンドウ分割</a:t>
+            </a:r>
+            <a:endParaRPr lang="en-US" altLang="ja-JP" dirty="0" smtClean="0"/>
+          </a:p>
+          <a:p>
+            <a:endParaRPr kumimoji="1" lang="en-US" altLang="ja-JP" dirty="0"/>
+          </a:p>
+          <a:p>
+            <a:endParaRPr lang="en-US" altLang="ja-JP" dirty="0" smtClean="0"/>
+          </a:p>
+          <a:p>
+            <a:endParaRPr kumimoji="1" lang="en-US" altLang="ja-JP" dirty="0"/>
+          </a:p>
+          <a:p>
+            <a:endParaRPr lang="en-US" altLang="ja-JP" dirty="0" smtClean="0"/>
+          </a:p>
+          <a:p>
+            <a:endParaRPr kumimoji="1" lang="en-US" altLang="ja-JP" dirty="0"/>
+          </a:p>
+          <a:p>
+            <a:r>
+              <a:rPr lang="en-US" altLang="ja-JP" dirty="0" smtClean="0"/>
+              <a:t>.</a:t>
+            </a:r>
+            <a:r>
+              <a:rPr lang="en-US" altLang="ja-JP" dirty="0" err="1" smtClean="0"/>
+              <a:t>cpp</a:t>
+            </a:r>
+            <a:r>
+              <a:rPr lang="ja-JP" altLang="en-US" dirty="0" smtClean="0"/>
+              <a:t>と</a:t>
+            </a:r>
+            <a:r>
+              <a:rPr lang="en-US" altLang="ja-JP" dirty="0" smtClean="0"/>
+              <a:t>.h</a:t>
+            </a:r>
+            <a:r>
+              <a:rPr lang="ja-JP" altLang="en-US" dirty="0" smtClean="0"/>
+              <a:t>のファイル間の移動 </a:t>
+            </a:r>
+            <a:r>
+              <a:rPr lang="en-US" altLang="ja-JP" dirty="0" smtClean="0"/>
+              <a:t>F4</a:t>
+            </a:r>
+            <a:r>
+              <a:rPr lang="ja-JP" altLang="en-US" dirty="0" smtClean="0"/>
+              <a:t>キー</a:t>
+            </a:r>
+            <a:endParaRPr lang="en-US" altLang="ja-JP" dirty="0" smtClean="0"/>
+          </a:p>
+          <a:p>
+            <a:r>
+              <a:rPr kumimoji="1" lang="ja-JP" altLang="en-US" dirty="0" smtClean="0"/>
+              <a:t>タグジャンプ </a:t>
+            </a:r>
+            <a:r>
+              <a:rPr kumimoji="1" lang="en-US" altLang="ja-JP" dirty="0" smtClean="0"/>
+              <a:t>F2</a:t>
+            </a:r>
+            <a:r>
+              <a:rPr kumimoji="1" lang="ja-JP" altLang="en-US" dirty="0" smtClean="0"/>
+              <a:t>キー</a:t>
+            </a:r>
+            <a:endParaRPr kumimoji="1" lang="en-US" altLang="ja-JP" dirty="0" smtClean="0"/>
+          </a:p>
+          <a:p>
+            <a:r>
+              <a:rPr lang="ja-JP" altLang="en-US" dirty="0" smtClean="0"/>
+              <a:t>バックジャンプ </a:t>
+            </a:r>
+            <a:r>
+              <a:rPr lang="en-US" altLang="ja-JP" dirty="0" smtClean="0"/>
+              <a:t>Alt + </a:t>
+            </a:r>
+            <a:r>
+              <a:rPr lang="ja-JP" altLang="en-US" dirty="0" smtClean="0"/>
+              <a:t>左矢印キー</a:t>
+            </a:r>
+            <a:endParaRPr lang="en-US" altLang="ja-JP" dirty="0" smtClean="0"/>
+          </a:p>
+          <a:p>
+            <a:r>
+              <a:rPr kumimoji="1" lang="ja-JP" altLang="en-US" dirty="0" smtClean="0"/>
+              <a:t>検索　</a:t>
+            </a:r>
+            <a:r>
+              <a:rPr kumimoji="1" lang="en-US" altLang="ja-JP" dirty="0" smtClean="0"/>
+              <a:t>Ctrl + Shift + f</a:t>
+            </a:r>
+            <a:endParaRPr kumimoji="1" lang="ja-JP" altLang="en-US" dirty="0"/>
+          </a:p>
+        </p:txBody>
+      </p:sp>
+      <p:pic>
+        <p:nvPicPr>
+          <p:cNvPr id="5122" name="Picture 2"/>
+          <p:cNvPicPr>
+            <a:picLocks noChangeAspect="1" noChangeArrowheads="1"/>
+          </p:cNvPicPr>
+          <p:nvPr/>
+        </p:nvPicPr>
+        <p:blipFill>
+          <a:blip r:embed="rId2">
+            <a:extLst>
+              <a:ext uri="{28A0092B-C50C-407E-A947-70E740481C1C}">
+                <a14:useLocalDpi xmlns:a14="http://schemas.microsoft.com/office/drawing/2010/main" val="0"/>
+              </a:ext>
+            </a:extLst>
+          </a:blip>
+          <a:srcRect/>
+          <a:stretch>
+            <a:fillRect/>
+          </a:stretch>
+        </p:blipFill>
+        <p:spPr bwMode="auto">
+          <a:xfrm>
+            <a:off x="683569" y="2132857"/>
+            <a:ext cx="3744416" cy="1926738"/>
           </a:xfrm>
           <a:prstGeom prst="rect">
             <a:avLst/>
@@ -3607,7 +5074,7 @@
     </p:spTree>
     <p:extLst>
       <p:ext uri="{BB962C8B-B14F-4D97-AF65-F5344CB8AC3E}">
-        <p14:creationId xmlns:p14="http://schemas.microsoft.com/office/powerpoint/2010/main" val="4106844784"/>
+        <p14:creationId xmlns:p14="http://schemas.microsoft.com/office/powerpoint/2010/main" val="2069519570"/>
       </p:ext>
     </p:extLst>
   </p:cSld>
@@ -3652,160 +5119,490 @@
           <a:lstStyle/>
           <a:p>
             <a:r>
-              <a:rPr kumimoji="1" lang="en-US" altLang="ja-JP" dirty="0" smtClean="0"/>
-              <a:t>GUI</a:t>
-            </a:r>
-            <a:r>
-              <a:rPr kumimoji="1" lang="ja-JP" altLang="en-US" dirty="0" smtClean="0"/>
-              <a:t>プロジェクトの作り方</a:t>
-            </a:r>
-            <a:endParaRPr kumimoji="1" lang="ja-JP" altLang="en-US" dirty="0"/>
-          </a:p>
-        </p:txBody>
-      </p:sp>
-      <p:sp>
-        <p:nvSpPr>
-          <p:cNvPr id="3" name="コンテンツ プレースホルダー 2"/>
-          <p:cNvSpPr>
-            <a:spLocks noGrp="1"/>
-          </p:cNvSpPr>
-          <p:nvPr>
-            <p:ph idx="1"/>
-          </p:nvPr>
-        </p:nvSpPr>
-        <p:spPr/>
-        <p:txBody>
-          <a:bodyPr/>
-          <a:lstStyle/>
-          <a:p>
-            <a:r>
-              <a:rPr kumimoji="1" lang="en-US" altLang="ja-JP" dirty="0" err="1" smtClean="0"/>
-              <a:t>Qt</a:t>
-            </a:r>
-            <a:r>
-              <a:rPr kumimoji="1" lang="en-US" altLang="ja-JP" dirty="0" smtClean="0"/>
-              <a:t> Widget</a:t>
-            </a:r>
-          </a:p>
-          <a:p>
-            <a:pPr lvl="1"/>
-            <a:r>
-              <a:rPr lang="en-US" altLang="ja-JP" dirty="0" smtClean="0"/>
-              <a:t>.</a:t>
-            </a:r>
-            <a:r>
-              <a:rPr lang="en-US" altLang="ja-JP" dirty="0" err="1" smtClean="0"/>
-              <a:t>ui</a:t>
-            </a:r>
-            <a:endParaRPr kumimoji="1" lang="en-US" altLang="ja-JP" dirty="0" smtClean="0"/>
-          </a:p>
-          <a:p>
-            <a:r>
               <a:rPr lang="en-US" altLang="ja-JP" dirty="0" err="1" smtClean="0"/>
               <a:t>Qt</a:t>
             </a:r>
             <a:r>
-              <a:rPr lang="en-US" altLang="ja-JP" dirty="0" smtClean="0"/>
-              <a:t> Quick</a:t>
-            </a:r>
-          </a:p>
-          <a:p>
-            <a:pPr lvl="1"/>
-            <a:r>
-              <a:rPr lang="en-US" altLang="ja-JP" dirty="0" smtClean="0"/>
-              <a:t>.</a:t>
-            </a:r>
-            <a:r>
-              <a:rPr lang="en-US" altLang="ja-JP" dirty="0" err="1" smtClean="0"/>
-              <a:t>qrc</a:t>
-            </a:r>
-            <a:r>
-              <a:rPr lang="en-US" altLang="ja-JP" dirty="0" smtClean="0"/>
-              <a:t> - .</a:t>
-            </a:r>
-            <a:r>
-              <a:rPr lang="en-US" altLang="ja-JP" dirty="0" err="1" smtClean="0"/>
-              <a:t>qml</a:t>
-            </a:r>
-            <a:endParaRPr lang="en-US" altLang="ja-JP" dirty="0" smtClean="0"/>
-          </a:p>
-          <a:p>
-            <a:pPr lvl="1"/>
-            <a:r>
-              <a:rPr lang="en-US" altLang="ja-JP" dirty="0" smtClean="0"/>
-              <a:t> </a:t>
-            </a:r>
-            <a:r>
-              <a:rPr lang="en-US" altLang="ja-JP" dirty="0" err="1" smtClean="0"/>
+              <a:rPr lang="ja-JP" altLang="en-US" dirty="0" smtClean="0"/>
+              <a:t>アプリの始め方</a:t>
+            </a:r>
+            <a:endParaRPr kumimoji="1" lang="ja-JP" altLang="en-US" dirty="0"/>
+          </a:p>
+        </p:txBody>
+      </p:sp>
+      <p:sp>
+        <p:nvSpPr>
+          <p:cNvPr id="3" name="コンテンツ プレースホルダー 2"/>
+          <p:cNvSpPr>
+            <a:spLocks noGrp="1"/>
+          </p:cNvSpPr>
+          <p:nvPr>
+            <p:ph idx="1"/>
+          </p:nvPr>
+        </p:nvSpPr>
+        <p:spPr>
+          <a:xfrm>
+            <a:off x="457200" y="1556792"/>
+            <a:ext cx="8229600" cy="4525963"/>
+          </a:xfrm>
+        </p:spPr>
+        <p:txBody>
+          <a:bodyPr>
+            <a:normAutofit/>
+          </a:bodyPr>
+          <a:lstStyle/>
+          <a:p>
+            <a:pPr>
+              <a:buFont typeface="+mj-lt"/>
+              <a:buAutoNum type="arabicPeriod"/>
+            </a:pPr>
+            <a:r>
+              <a:rPr lang="en-US" altLang="ja-JP" sz="1600" dirty="0" err="1" smtClean="0"/>
               <a:t>Qt</a:t>
             </a:r>
             <a:r>
-              <a:rPr lang="en-US" altLang="ja-JP" dirty="0" smtClean="0"/>
-              <a:t> Quick </a:t>
-            </a:r>
-            <a:r>
-              <a:rPr lang="ja-JP" altLang="en-US" dirty="0" smtClean="0"/>
-              <a:t>デザイナーで実行する（</a:t>
-            </a:r>
-            <a:r>
-              <a:rPr lang="en-US" altLang="ja-JP" dirty="0" err="1" smtClean="0"/>
+              <a:rPr lang="ja-JP" altLang="en-US" sz="1600" dirty="0" smtClean="0"/>
+              <a:t>のアカウントを作成する。</a:t>
+            </a:r>
+            <a:endParaRPr lang="en-US" altLang="ja-JP" sz="1600" dirty="0" smtClean="0"/>
+          </a:p>
+          <a:p>
+            <a:pPr>
+              <a:buFont typeface="+mj-lt"/>
+              <a:buAutoNum type="arabicPeriod"/>
+            </a:pPr>
+            <a:r>
+              <a:rPr lang="en-US" altLang="ja-JP" sz="1600" dirty="0" smtClean="0"/>
+              <a:t>https</a:t>
+            </a:r>
+            <a:r>
+              <a:rPr lang="en-US" altLang="ja-JP" sz="1600" dirty="0"/>
+              <a:t>://www.qt.io/download</a:t>
+            </a:r>
+            <a:endParaRPr kumimoji="1" lang="ja-JP" altLang="en-US" sz="1600" dirty="0"/>
+          </a:p>
+        </p:txBody>
+      </p:sp>
+      <p:pic>
+        <p:nvPicPr>
+          <p:cNvPr id="4" name="図 3"/>
+          <p:cNvPicPr>
+            <a:picLocks noChangeAspect="1"/>
+          </p:cNvPicPr>
+          <p:nvPr/>
+        </p:nvPicPr>
+        <p:blipFill>
+          <a:blip r:embed="rId3"/>
+          <a:stretch>
+            <a:fillRect/>
+          </a:stretch>
+        </p:blipFill>
+        <p:spPr>
+          <a:xfrm>
+            <a:off x="457200" y="2348880"/>
+            <a:ext cx="3987494" cy="2014901"/>
+          </a:xfrm>
+          <a:prstGeom prst="rect">
+            <a:avLst/>
+          </a:prstGeom>
+        </p:spPr>
+      </p:pic>
+      <p:sp>
+        <p:nvSpPr>
+          <p:cNvPr id="5" name="楕円 4"/>
+          <p:cNvSpPr/>
+          <p:nvPr/>
+        </p:nvSpPr>
+        <p:spPr>
+          <a:xfrm>
+            <a:off x="2483768" y="3717032"/>
+            <a:ext cx="720080" cy="360040"/>
+          </a:xfrm>
+          <a:prstGeom prst="ellipse">
+            <a:avLst/>
+          </a:prstGeom>
+          <a:noFill/>
+          <a:ln>
+            <a:solidFill>
+              <a:srgbClr val="FF0000"/>
+            </a:solidFill>
+          </a:ln>
+        </p:spPr>
+        <p:style>
+          <a:lnRef idx="2">
+            <a:schemeClr val="accent1">
+              <a:shade val="50000"/>
+            </a:schemeClr>
+          </a:lnRef>
+          <a:fillRef idx="1">
+            <a:schemeClr val="accent1"/>
+          </a:fillRef>
+          <a:effectRef idx="0">
+            <a:schemeClr val="accent1"/>
+          </a:effectRef>
+          <a:fontRef idx="minor">
+            <a:schemeClr val="lt1"/>
+          </a:fontRef>
+        </p:style>
+        <p:txBody>
+          <a:bodyPr rtlCol="0" anchor="ctr"/>
+          <a:lstStyle/>
+          <a:p>
+            <a:pPr algn="ctr"/>
+            <a:endParaRPr kumimoji="1" lang="ja-JP" altLang="en-US"/>
+          </a:p>
+        </p:txBody>
+      </p:sp>
+      <p:pic>
+        <p:nvPicPr>
+          <p:cNvPr id="6" name="図 5"/>
+          <p:cNvPicPr>
+            <a:picLocks noChangeAspect="1"/>
+          </p:cNvPicPr>
+          <p:nvPr/>
+        </p:nvPicPr>
+        <p:blipFill>
+          <a:blip r:embed="rId4"/>
+          <a:stretch>
+            <a:fillRect/>
+          </a:stretch>
+        </p:blipFill>
+        <p:spPr>
+          <a:xfrm>
+            <a:off x="358518" y="4707538"/>
+            <a:ext cx="4250500" cy="1013271"/>
+          </a:xfrm>
+          <a:prstGeom prst="rect">
+            <a:avLst/>
+          </a:prstGeom>
+        </p:spPr>
+      </p:pic>
+      <p:sp>
+        <p:nvSpPr>
+          <p:cNvPr id="7" name="楕円 6"/>
+          <p:cNvSpPr/>
+          <p:nvPr/>
+        </p:nvSpPr>
+        <p:spPr>
+          <a:xfrm>
+            <a:off x="1907704" y="5416985"/>
+            <a:ext cx="1080120" cy="316271"/>
+          </a:xfrm>
+          <a:prstGeom prst="ellipse">
+            <a:avLst/>
+          </a:prstGeom>
+          <a:noFill/>
+          <a:ln>
+            <a:solidFill>
+              <a:srgbClr val="FF0000"/>
+            </a:solidFill>
+          </a:ln>
+        </p:spPr>
+        <p:style>
+          <a:lnRef idx="2">
+            <a:schemeClr val="accent1">
+              <a:shade val="50000"/>
+            </a:schemeClr>
+          </a:lnRef>
+          <a:fillRef idx="1">
+            <a:schemeClr val="accent1"/>
+          </a:fillRef>
+          <a:effectRef idx="0">
+            <a:schemeClr val="accent1"/>
+          </a:effectRef>
+          <a:fontRef idx="minor">
+            <a:schemeClr val="lt1"/>
+          </a:fontRef>
+        </p:style>
+        <p:txBody>
+          <a:bodyPr rtlCol="0" anchor="ctr"/>
+          <a:lstStyle/>
+          <a:p>
+            <a:pPr algn="ctr"/>
+            <a:endParaRPr kumimoji="1" lang="ja-JP" altLang="en-US"/>
+          </a:p>
+        </p:txBody>
+      </p:sp>
+      <p:pic>
+        <p:nvPicPr>
+          <p:cNvPr id="8" name="図 7"/>
+          <p:cNvPicPr>
+            <a:picLocks noChangeAspect="1"/>
+          </p:cNvPicPr>
+          <p:nvPr/>
+        </p:nvPicPr>
+        <p:blipFill>
+          <a:blip r:embed="rId5">
+            <a:extLst>
+              <a:ext uri="{28A0092B-C50C-407E-A947-70E740481C1C}">
+                <a14:useLocalDpi xmlns:a14="http://schemas.microsoft.com/office/drawing/2010/main" val="0"/>
+              </a:ext>
+            </a:extLst>
+          </a:blip>
+          <a:stretch>
+            <a:fillRect/>
+          </a:stretch>
+        </p:blipFill>
+        <p:spPr>
+          <a:xfrm>
+            <a:off x="4612028" y="2473144"/>
+            <a:ext cx="4196671" cy="2780073"/>
+          </a:xfrm>
+          <a:prstGeom prst="rect">
+            <a:avLst/>
+          </a:prstGeom>
+        </p:spPr>
+      </p:pic>
+      <p:sp>
+        <p:nvSpPr>
+          <p:cNvPr id="9" name="楕円 8"/>
+          <p:cNvSpPr/>
+          <p:nvPr/>
+        </p:nvSpPr>
+        <p:spPr>
+          <a:xfrm>
+            <a:off x="5868144" y="3573016"/>
+            <a:ext cx="936104" cy="720080"/>
+          </a:xfrm>
+          <a:prstGeom prst="ellipse">
+            <a:avLst/>
+          </a:prstGeom>
+          <a:noFill/>
+          <a:ln>
+            <a:solidFill>
+              <a:srgbClr val="FF0000"/>
+            </a:solidFill>
+          </a:ln>
+        </p:spPr>
+        <p:style>
+          <a:lnRef idx="2">
+            <a:schemeClr val="accent1">
+              <a:shade val="50000"/>
+            </a:schemeClr>
+          </a:lnRef>
+          <a:fillRef idx="1">
+            <a:schemeClr val="accent1"/>
+          </a:fillRef>
+          <a:effectRef idx="0">
+            <a:schemeClr val="accent1"/>
+          </a:effectRef>
+          <a:fontRef idx="minor">
+            <a:schemeClr val="lt1"/>
+          </a:fontRef>
+        </p:style>
+        <p:txBody>
+          <a:bodyPr rtlCol="0" anchor="ctr"/>
+          <a:lstStyle/>
+          <a:p>
+            <a:pPr algn="ctr"/>
+            <a:endParaRPr kumimoji="1" lang="ja-JP" altLang="en-US"/>
+          </a:p>
+        </p:txBody>
+      </p:sp>
+      <p:sp>
+        <p:nvSpPr>
+          <p:cNvPr id="10" name="四角形吹き出し 9"/>
+          <p:cNvSpPr/>
+          <p:nvPr/>
+        </p:nvSpPr>
+        <p:spPr>
+          <a:xfrm>
+            <a:off x="4499992" y="5283801"/>
+            <a:ext cx="4464496" cy="953511"/>
+          </a:xfrm>
+          <a:prstGeom prst="wedgeRectCallout">
+            <a:avLst>
+              <a:gd name="adj1" fmla="val 2201"/>
+              <a:gd name="adj2" fmla="val -183698"/>
+            </a:avLst>
+          </a:prstGeom>
+          <a:solidFill>
+            <a:schemeClr val="bg1"/>
+          </a:solidFill>
+          <a:ln>
+            <a:solidFill>
+              <a:srgbClr val="FF0000"/>
+            </a:solidFill>
+          </a:ln>
+        </p:spPr>
+        <p:style>
+          <a:lnRef idx="2">
+            <a:schemeClr val="accent1">
+              <a:shade val="50000"/>
+            </a:schemeClr>
+          </a:lnRef>
+          <a:fillRef idx="1">
+            <a:schemeClr val="accent1"/>
+          </a:fillRef>
+          <a:effectRef idx="0">
+            <a:schemeClr val="accent1"/>
+          </a:effectRef>
+          <a:fontRef idx="minor">
+            <a:schemeClr val="lt1"/>
+          </a:fontRef>
+        </p:style>
+        <p:txBody>
+          <a:bodyPr rtlCol="0" anchor="ctr"/>
+          <a:lstStyle/>
+          <a:p>
+            <a:pPr algn="ctr"/>
+            <a:r>
+              <a:rPr lang="ja-JP" altLang="en-US" sz="1200" dirty="0">
+                <a:solidFill>
+                  <a:schemeClr val="tx1"/>
+                </a:solidFill>
+              </a:rPr>
+              <a:t>何</a:t>
+            </a:r>
+            <a:r>
+              <a:rPr lang="ja-JP" altLang="en-US" sz="1200" dirty="0" smtClean="0">
+                <a:solidFill>
+                  <a:schemeClr val="tx1"/>
+                </a:solidFill>
+              </a:rPr>
+              <a:t>も考えずに</a:t>
+            </a:r>
+            <a:r>
+              <a:rPr lang="en-US" altLang="ja-JP" sz="1200" dirty="0" err="1" smtClean="0">
+                <a:solidFill>
+                  <a:schemeClr val="tx1"/>
+                </a:solidFill>
+              </a:rPr>
               <a:t>Qt</a:t>
             </a:r>
             <a:r>
-              <a:rPr lang="ja-JP" altLang="en-US" dirty="0" smtClean="0"/>
-              <a:t>デザイナーとは別物　機能が揃っていない？）</a:t>
-            </a:r>
-            <a:endParaRPr lang="en-US" altLang="ja-JP" dirty="0" smtClean="0"/>
-          </a:p>
-          <a:p>
-            <a:pPr marL="457200" lvl="1" indent="0">
-              <a:buNone/>
-            </a:pPr>
-            <a:r>
-              <a:rPr lang="ja-JP" altLang="en-US" dirty="0" smtClean="0"/>
-              <a:t>　</a:t>
-            </a:r>
-            <a:r>
-              <a:rPr lang="en-US" altLang="ja-JP" dirty="0" smtClean="0"/>
-              <a:t> </a:t>
-            </a:r>
-            <a:r>
-              <a:rPr lang="en-US" altLang="ja-JP" dirty="0" err="1" smtClean="0"/>
-              <a:t>Qt</a:t>
-            </a:r>
-            <a:r>
-              <a:rPr lang="en-US" altLang="ja-JP" dirty="0" smtClean="0"/>
-              <a:t> Quick </a:t>
-            </a:r>
-            <a:r>
-              <a:rPr lang="ja-JP" altLang="en-US" dirty="0" smtClean="0"/>
-              <a:t>は コードで</a:t>
-            </a:r>
-            <a:r>
-              <a:rPr lang="en-US" altLang="ja-JP" dirty="0" smtClean="0"/>
-              <a:t>UI</a:t>
-            </a:r>
-            <a:r>
-              <a:rPr lang="ja-JP" altLang="en-US" dirty="0" smtClean="0"/>
-              <a:t>を作成し、</a:t>
-            </a:r>
-            <a:r>
-              <a:rPr lang="en-US" altLang="ja-JP" dirty="0" smtClean="0"/>
-              <a:t>Quick</a:t>
-            </a:r>
-            <a:r>
-              <a:rPr lang="ja-JP" altLang="en-US" dirty="0" smtClean="0"/>
-              <a:t>プレビューで</a:t>
-            </a:r>
-            <a:r>
-              <a:rPr lang="en-US" altLang="ja-JP" dirty="0" smtClean="0"/>
-              <a:t>UI</a:t>
-            </a:r>
-            <a:r>
-              <a:rPr lang="ja-JP" altLang="en-US" dirty="0" smtClean="0"/>
-              <a:t>を確認するとビルドするより早い。</a:t>
-            </a:r>
-            <a:endParaRPr kumimoji="1" lang="ja-JP" altLang="en-US" dirty="0"/>
+              <a:rPr lang="en-US" altLang="ja-JP" sz="1200" dirty="0" smtClean="0">
+                <a:solidFill>
+                  <a:schemeClr val="tx1"/>
+                </a:solidFill>
+              </a:rPr>
+              <a:t> 6.3.1</a:t>
+            </a:r>
+            <a:r>
+              <a:rPr lang="ja-JP" altLang="en-US" sz="1200" dirty="0" smtClean="0">
+                <a:solidFill>
+                  <a:schemeClr val="tx1"/>
+                </a:solidFill>
+              </a:rPr>
+              <a:t>を全て選択してしまうと</a:t>
+            </a:r>
+            <a:r>
+              <a:rPr lang="en-US" altLang="ja-JP" sz="1200" u="sng" dirty="0" smtClean="0">
+                <a:solidFill>
+                  <a:schemeClr val="tx1"/>
+                </a:solidFill>
+              </a:rPr>
+              <a:t>15GB</a:t>
+            </a:r>
+            <a:r>
+              <a:rPr lang="ja-JP" altLang="en-US" sz="1200" dirty="0" smtClean="0">
+                <a:solidFill>
+                  <a:schemeClr val="tx1"/>
+                </a:solidFill>
+              </a:rPr>
+              <a:t>の程になってしまうので</a:t>
+            </a:r>
+            <a:r>
+              <a:rPr lang="en-US" altLang="ja-JP" sz="1200" dirty="0" err="1" smtClean="0">
+                <a:solidFill>
+                  <a:schemeClr val="tx1"/>
+                </a:solidFill>
+              </a:rPr>
+              <a:t>VisualStudio</a:t>
+            </a:r>
+            <a:r>
+              <a:rPr lang="ja-JP" altLang="en-US" sz="1200" dirty="0" smtClean="0">
+                <a:solidFill>
+                  <a:schemeClr val="tx1"/>
+                </a:solidFill>
+              </a:rPr>
+              <a:t>がインストールされている環境であれば </a:t>
+            </a:r>
+            <a:r>
+              <a:rPr lang="en-US" altLang="ja-JP" sz="1200" dirty="0" smtClean="0">
+                <a:solidFill>
+                  <a:schemeClr val="tx1"/>
+                </a:solidFill>
+              </a:rPr>
+              <a:t>MSVC2019</a:t>
+            </a:r>
+            <a:r>
+              <a:rPr lang="ja-JP" altLang="en-US" sz="1200" dirty="0" smtClean="0">
+                <a:solidFill>
+                  <a:schemeClr val="tx1"/>
+                </a:solidFill>
+              </a:rPr>
+              <a:t>を入っていない環境では</a:t>
+            </a:r>
+            <a:r>
+              <a:rPr lang="en-US" altLang="ja-JP" sz="1200" dirty="0" err="1" smtClean="0">
+                <a:solidFill>
+                  <a:schemeClr val="tx1"/>
+                </a:solidFill>
+              </a:rPr>
+              <a:t>MinGW</a:t>
+            </a:r>
+            <a:r>
+              <a:rPr lang="ja-JP" altLang="en-US" sz="1200" dirty="0" smtClean="0">
+                <a:solidFill>
+                  <a:schemeClr val="tx1"/>
+                </a:solidFill>
+              </a:rPr>
+              <a:t>にチェックをいれる。</a:t>
+            </a:r>
+            <a:r>
+              <a:rPr lang="ja-JP" altLang="en-US" sz="1200" dirty="0">
+                <a:solidFill>
+                  <a:schemeClr val="tx1"/>
+                </a:solidFill>
+              </a:rPr>
+              <a:t>それ</a:t>
+            </a:r>
+            <a:r>
+              <a:rPr lang="ja-JP" altLang="en-US" sz="1200" dirty="0" smtClean="0">
+                <a:solidFill>
+                  <a:schemeClr val="tx1"/>
+                </a:solidFill>
+              </a:rPr>
+              <a:t>と</a:t>
+            </a:r>
+            <a:r>
+              <a:rPr lang="en-US" altLang="ja-JP" sz="1200" dirty="0" smtClean="0">
+                <a:solidFill>
+                  <a:schemeClr val="tx1"/>
+                </a:solidFill>
+              </a:rPr>
+              <a:t>Qt5</a:t>
+            </a:r>
+            <a:r>
+              <a:rPr lang="ja-JP" altLang="en-US" sz="1200" dirty="0" smtClean="0">
+                <a:solidFill>
+                  <a:schemeClr val="tx1"/>
+                </a:solidFill>
+              </a:rPr>
+              <a:t>互換ように</a:t>
+            </a:r>
+            <a:r>
+              <a:rPr lang="en-US" altLang="ja-JP" sz="1200" dirty="0" smtClean="0">
+                <a:solidFill>
+                  <a:schemeClr val="tx1"/>
+                </a:solidFill>
+              </a:rPr>
+              <a:t>Compatibility Module</a:t>
+            </a:r>
+            <a:r>
+              <a:rPr lang="ja-JP" altLang="en-US" sz="1200" dirty="0" smtClean="0">
+                <a:solidFill>
+                  <a:schemeClr val="tx1"/>
+                </a:solidFill>
+              </a:rPr>
+              <a:t>をインストールする。</a:t>
+            </a:r>
+            <a:endParaRPr kumimoji="1" lang="ja-JP" altLang="en-US" sz="1200" dirty="0">
+              <a:solidFill>
+                <a:schemeClr val="tx1"/>
+              </a:solidFill>
+            </a:endParaRPr>
           </a:p>
         </p:txBody>
       </p:sp>
@@ -3851,10 +5648,24 @@
         </p:nvSpPr>
         <p:spPr/>
         <p:txBody>
-          <a:bodyPr/>
-          <a:lstStyle/>
-          <a:p>
-            <a:endParaRPr kumimoji="1" lang="ja-JP" altLang="en-US"/>
+          <a:bodyPr>
+            <a:normAutofit/>
+          </a:bodyPr>
+          <a:lstStyle/>
+          <a:p>
+            <a:r>
+              <a:rPr kumimoji="1" lang="en-US" altLang="ja-JP" dirty="0" smtClean="0"/>
+              <a:t>GUI</a:t>
+            </a:r>
+            <a:r>
+              <a:rPr kumimoji="1" lang="ja-JP" altLang="en-US" dirty="0" smtClean="0"/>
+              <a:t>プロジェクトの</a:t>
+            </a:r>
+            <a:r>
+              <a:rPr kumimoji="1" lang="ja-JP" altLang="en-US" dirty="0" smtClean="0"/>
+              <a:t>作り方</a:t>
+            </a:r>
+            <a:endParaRPr kumimoji="1" lang="ja-JP" altLang="en-US" dirty="0"/>
           </a:p>
         </p:txBody>
       </p:sp>
@@ -3870,61 +5681,167 @@
         </p:nvSpPr>
         <p:spPr/>
         <p:txBody>
-          <a:bodyPr/>
-          <a:lstStyle/>
-          <a:p>
-            <a:r>
-              <a:rPr lang="en-US" altLang="ja-JP" dirty="0"/>
-              <a:t>QT</a:t>
+          <a:bodyPr>
+            <a:normAutofit/>
+          </a:bodyPr>
+          <a:lstStyle/>
+          <a:p>
+            <a:r>
+              <a:rPr lang="ja-JP" altLang="en-US" dirty="0" smtClean="0"/>
+              <a:t>大きく２</a:t>
             </a:r>
             <a:r>
               <a:rPr lang="ja-JP" altLang="en-US" dirty="0"/>
-              <a:t>チュートリアル</a:t>
-            </a:r>
-          </a:p>
-          <a:p>
-            <a:r>
-              <a:rPr lang="en-US" altLang="ja-JP" dirty="0" err="1"/>
-              <a:t>qmake</a:t>
-            </a:r>
-            <a:endParaRPr lang="en-US" altLang="ja-JP" dirty="0"/>
-          </a:p>
-          <a:p>
-            <a:r>
-              <a:rPr lang="ja-JP" altLang="en-US" dirty="0"/>
-              <a:t>既定クラス　</a:t>
-            </a:r>
-            <a:r>
-              <a:rPr lang="en-US" altLang="ja-JP" dirty="0" err="1"/>
-              <a:t>QWidget</a:t>
-            </a:r>
-            <a:endParaRPr lang="en-US" altLang="ja-JP" dirty="0"/>
-          </a:p>
-          <a:p>
-            <a:r>
-              <a:rPr lang="ja-JP" altLang="en-US" dirty="0"/>
-              <a:t>プロジェクトファイル </a:t>
-            </a:r>
-            <a:r>
-              <a:rPr lang="en-US" altLang="ja-JP" dirty="0"/>
-              <a:t>.pro (profile? project?)</a:t>
-            </a:r>
-          </a:p>
-          <a:p>
-            <a:r>
-              <a:rPr lang="en-US" altLang="ja-JP" dirty="0"/>
-              <a:t>.pro</a:t>
-            </a:r>
-            <a:r>
-              <a:rPr lang="ja-JP" altLang="en-US" dirty="0"/>
-              <a:t>開くとき</a:t>
-            </a:r>
-            <a:r>
-              <a:rPr lang="en-US" altLang="ja-JP" dirty="0"/>
-              <a:t>configure project</a:t>
-            </a:r>
-          </a:p>
-          <a:p>
+              <a:t>パターン</a:t>
+            </a:r>
+            <a:endParaRPr kumimoji="1" lang="en-US" altLang="ja-JP" dirty="0" smtClean="0"/>
+          </a:p>
+          <a:p>
+            <a:pPr lvl="1"/>
+            <a:r>
+              <a:rPr kumimoji="1" lang="ja-JP" altLang="en-US" dirty="0" smtClean="0"/>
+              <a:t>（枯）</a:t>
+            </a:r>
+            <a:r>
+              <a:rPr kumimoji="1" lang="en-US" altLang="ja-JP" dirty="0" err="1" smtClean="0"/>
+              <a:t>Qt</a:t>
+            </a:r>
+            <a:r>
+              <a:rPr kumimoji="1" lang="en-US" altLang="ja-JP" dirty="0" smtClean="0"/>
+              <a:t> </a:t>
+            </a:r>
+            <a:r>
+              <a:rPr kumimoji="1" lang="en-US" altLang="ja-JP" dirty="0" smtClean="0"/>
+              <a:t>Widget</a:t>
+            </a:r>
+          </a:p>
+          <a:p>
+            <a:pPr lvl="2"/>
+            <a:r>
+              <a:rPr lang="en-US" altLang="ja-JP" dirty="0" smtClean="0"/>
+              <a:t>.</a:t>
+            </a:r>
+            <a:r>
+              <a:rPr lang="en-US" altLang="ja-JP" dirty="0" err="1" smtClean="0"/>
+              <a:t>ui</a:t>
+            </a:r>
+            <a:endParaRPr kumimoji="1" lang="en-US" altLang="ja-JP" dirty="0" smtClean="0"/>
+          </a:p>
+          <a:p>
+            <a:pPr lvl="1"/>
+            <a:r>
+              <a:rPr lang="ja-JP" altLang="en-US" dirty="0" smtClean="0"/>
+              <a:t>（新）</a:t>
+            </a:r>
+            <a:r>
+              <a:rPr lang="en-US" altLang="ja-JP" dirty="0" err="1" smtClean="0"/>
+              <a:t>Qt</a:t>
+            </a:r>
+            <a:r>
+              <a:rPr lang="en-US" altLang="ja-JP" dirty="0" smtClean="0"/>
+              <a:t> </a:t>
+            </a:r>
+            <a:r>
+              <a:rPr lang="en-US" altLang="ja-JP" dirty="0" smtClean="0"/>
+              <a:t>Quick</a:t>
+            </a:r>
+          </a:p>
+          <a:p>
+            <a:pPr lvl="2"/>
+            <a:r>
+              <a:rPr lang="en-US" altLang="ja-JP" dirty="0" smtClean="0"/>
+              <a:t>.</a:t>
+            </a:r>
+            <a:r>
+              <a:rPr lang="en-US" altLang="ja-JP" dirty="0" err="1" smtClean="0"/>
+              <a:t>qrc</a:t>
+            </a:r>
+            <a:r>
+              <a:rPr lang="en-US" altLang="ja-JP" dirty="0" smtClean="0"/>
+              <a:t> - .</a:t>
+            </a:r>
+            <a:r>
+              <a:rPr lang="en-US" altLang="ja-JP" dirty="0" err="1" smtClean="0"/>
+              <a:t>qml</a:t>
+            </a:r>
+            <a:endParaRPr lang="en-US" altLang="ja-JP" dirty="0" smtClean="0"/>
+          </a:p>
+          <a:p>
+            <a:pPr lvl="2"/>
+            <a:r>
+              <a:rPr lang="en-US" altLang="ja-JP" dirty="0" smtClean="0"/>
+              <a:t> </a:t>
+            </a:r>
+            <a:r>
+              <a:rPr lang="en-US" altLang="ja-JP" dirty="0" err="1" smtClean="0"/>
+              <a:t>Qt</a:t>
+            </a:r>
+            <a:r>
+              <a:rPr lang="en-US" altLang="ja-JP" dirty="0" smtClean="0"/>
+              <a:t> Quick </a:t>
+            </a:r>
+            <a:r>
+              <a:rPr lang="ja-JP" altLang="en-US" dirty="0" smtClean="0"/>
+              <a:t>デザイナーで実行する（</a:t>
+            </a:r>
+            <a:r>
+              <a:rPr lang="en-US" altLang="ja-JP" dirty="0" err="1" smtClean="0"/>
+              <a:t>Qt</a:t>
+            </a:r>
+            <a:r>
+              <a:rPr lang="ja-JP" altLang="en-US" dirty="0" smtClean="0"/>
+              <a:t>デザイナーとは別物　機能が揃っていない？）</a:t>
+            </a:r>
+            <a:endParaRPr lang="en-US" altLang="ja-JP" dirty="0" smtClean="0"/>
+          </a:p>
+          <a:p>
+            <a:pPr marL="857250" lvl="2" indent="0">
+              <a:buNone/>
+            </a:pPr>
+            <a:r>
+              <a:rPr lang="ja-JP" altLang="en-US" dirty="0" smtClean="0"/>
+              <a:t>　</a:t>
+            </a:r>
+            <a:r>
+              <a:rPr lang="en-US" altLang="ja-JP" dirty="0" smtClean="0"/>
+              <a:t> </a:t>
+            </a:r>
+            <a:r>
+              <a:rPr lang="en-US" altLang="ja-JP" dirty="0" err="1" smtClean="0"/>
+              <a:t>Qt</a:t>
+            </a:r>
+            <a:r>
+              <a:rPr lang="en-US" altLang="ja-JP" dirty="0" smtClean="0"/>
+              <a:t> Quick </a:t>
+            </a:r>
+            <a:r>
+              <a:rPr lang="ja-JP" altLang="en-US" dirty="0" smtClean="0"/>
+              <a:t>は コードで</a:t>
+            </a:r>
+            <a:r>
+              <a:rPr lang="en-US" altLang="ja-JP" dirty="0" smtClean="0"/>
+              <a:t>UI</a:t>
+            </a:r>
+            <a:r>
+              <a:rPr lang="ja-JP" altLang="en-US" dirty="0" smtClean="0"/>
+              <a:t>を作成し、</a:t>
+            </a:r>
+            <a:r>
+              <a:rPr lang="en-US" altLang="ja-JP" dirty="0" smtClean="0"/>
+              <a:t>Quick</a:t>
+            </a:r>
+            <a:r>
+              <a:rPr lang="ja-JP" altLang="en-US" dirty="0" smtClean="0"/>
+              <a:t>プレビューで</a:t>
+            </a:r>
+            <a:r>
+              <a:rPr lang="en-US" altLang="ja-JP" dirty="0" smtClean="0"/>
+              <a:t>UI</a:t>
+            </a:r>
+            <a:r>
+              <a:rPr lang="ja-JP" altLang="en-US" dirty="0" smtClean="0"/>
+              <a:t>を確認するとビルドするより早い。</a:t>
+            </a:r>
             <a:endParaRPr kumimoji="1" lang="ja-JP" altLang="en-US" dirty="0"/>
           </a:p>
         </p:txBody>
@@ -3932,7 +5849,7 @@
     </p:spTree>
     <p:extLst>
       <p:ext uri="{BB962C8B-B14F-4D97-AF65-F5344CB8AC3E}">
-        <p14:creationId xmlns:p14="http://schemas.microsoft.com/office/powerpoint/2010/main" val="2422714710"/>
+        <p14:creationId xmlns:p14="http://schemas.microsoft.com/office/powerpoint/2010/main" val="2912750670"/>
       </p:ext>
     </p:extLst>
   </p:cSld>
@@ -3976,11 +5893,15 @@
           <a:p>
             <a:r>
               <a:rPr kumimoji="1" lang="en-US" altLang="ja-JP" dirty="0" err="1" smtClean="0"/>
+              <a:t>QtQuick</a:t>
+            </a:r>
+            <a:r>
+              <a:rPr kumimoji="1" lang="en-US" altLang="ja-JP" dirty="0" smtClean="0"/>
+              <a:t> - </a:t>
+            </a:r>
+            <a:r>
+              <a:rPr kumimoji="1" lang="en-US" altLang="ja-JP" dirty="0" err="1" smtClean="0"/>
               <a:t>Qml</a:t>
-            </a:r>
-            <a:r>
-              <a:rPr kumimoji="1" lang="ja-JP" altLang="en-US" dirty="0" smtClean="0"/>
-              <a:t>サンプル</a:t>
             </a:r>
             <a:endParaRPr kumimoji="1" lang="ja-JP" altLang="en-US" dirty="0"/>
           </a:p>
@@ -4036,6 +5957,52 @@
           </a:prstGeom>
         </p:spPr>
       </p:pic>
+      <p:sp>
+        <p:nvSpPr>
+          <p:cNvPr id="6" name="楕円 5"/>
+          <p:cNvSpPr/>
+          <p:nvPr/>
+        </p:nvSpPr>
+        <p:spPr>
+          <a:xfrm>
+            <a:off x="6372200" y="4653136"/>
+            <a:ext cx="1080120" cy="316271"/>
+          </a:xfrm>
+          <a:prstGeom prst="ellipse">
+            <a:avLst/>
+          </a:prstGeom>
+          <a:noFill/>
+          <a:ln>
+            <a:solidFill>
+              <a:srgbClr val="FF0000"/>
+            </a:solidFill>
+          </a:ln>
+        </p:spPr>
+        <p:style>
+          <a:lnRef idx="2">
+            <a:schemeClr val="accent1">
+              <a:shade val="50000"/>
+            </a:schemeClr>
+          </a:lnRef>
+          <a:fillRef idx="1">
+            <a:schemeClr val="accent1"/>
+          </a:fillRef>
+          <a:effectRef idx="0">
+            <a:schemeClr val="accent1"/>
+          </a:effectRef>
+          <a:fontRef idx="minor">
+            <a:schemeClr val="lt1"/>
+          </a:fontRef>
+        </p:style>
+        <p:txBody>
+          <a:bodyPr rtlCol="0" anchor="ctr"/>
+          <a:lstStyle/>
+          <a:p>
+            <a:pPr algn="ctr"/>
+            <a:endParaRPr kumimoji="1" lang="ja-JP" altLang="en-US"/>
+          </a:p>
+        </p:txBody>
+      </p:sp>
     </p:spTree>
     <p:extLst>
       <p:ext uri="{BB962C8B-B14F-4D97-AF65-F5344CB8AC3E}">
@@ -4084,12 +6051,43 @@
           <a:lstStyle/>
           <a:p>
             <a:r>
+              <a:rPr kumimoji="1" lang="en-US" altLang="ja-JP" dirty="0" err="1" smtClean="0"/>
+              <a:t>QtWidget</a:t>
+            </a:r>
+            <a:r>
+              <a:rPr kumimoji="1" lang="en-US" altLang="ja-JP" dirty="0" smtClean="0"/>
+              <a:t> - </a:t>
+            </a:r>
+            <a:r>
               <a:rPr kumimoji="1" lang="ja-JP" altLang="en-US" dirty="0" smtClean="0"/>
               <a:t>Ｑｔ</a:t>
             </a:r>
             <a:r>
               <a:rPr lang="ja-JP" altLang="en-US" dirty="0" smtClean="0"/>
-              <a:t>デザイナー、</a:t>
+              <a:t>デザイナー</a:t>
+            </a:r>
+            <a:endParaRPr kumimoji="1" lang="ja-JP" altLang="en-US" dirty="0"/>
+          </a:p>
+        </p:txBody>
+      </p:sp>
+      <p:sp>
+        <p:nvSpPr>
+          <p:cNvPr id="3" name="コンテンツ プレースホルダー 2"/>
+          <p:cNvSpPr>
+            <a:spLocks noGrp="1"/>
+          </p:cNvSpPr>
+          <p:nvPr>
+            <p:ph idx="1"/>
+          </p:nvPr>
+        </p:nvSpPr>
+        <p:spPr/>
+        <p:txBody>
+          <a:bodyPr/>
+          <a:lstStyle/>
+          <a:p>
+            <a:r>
+              <a:rPr lang="en-US" altLang="ja-JP" dirty="0" smtClean="0"/>
+              <a:t>.</a:t>
             </a:r>
             <a:r>
               <a:rPr lang="en-US" altLang="ja-JP" dirty="0" err="1" smtClean="0"/>
@@ -4097,28 +6095,9 @@
             </a:r>
             <a:r>
               <a:rPr lang="ja-JP" altLang="en-US" dirty="0" smtClean="0"/>
-              <a:t>ファイルを生成</a:t>
+              <a:t>ファイルを編集する</a:t>
             </a:r>
             <a:endParaRPr kumimoji="1" lang="ja-JP" altLang="en-US" dirty="0"/>
-          </a:p>
-        </p:txBody>
-      </p:sp>
-      <p:sp>
-        <p:nvSpPr>
-          <p:cNvPr id="3" name="コンテンツ プレースホルダー 2"/>
-          <p:cNvSpPr>
-            <a:spLocks noGrp="1"/>
-          </p:cNvSpPr>
-          <p:nvPr>
-            <p:ph idx="1"/>
-          </p:nvPr>
-        </p:nvSpPr>
-        <p:spPr/>
-        <p:txBody>
-          <a:bodyPr/>
-          <a:lstStyle/>
-          <a:p>
-            <a:endParaRPr kumimoji="1" lang="ja-JP" altLang="en-US"/>
           </a:p>
         </p:txBody>
       </p:sp>
@@ -4145,8 +6124,8 @@
         </p:blipFill>
         <p:spPr bwMode="auto">
           <a:xfrm>
-            <a:off x="323528" y="1268760"/>
-            <a:ext cx="8638640" cy="5256584"/>
+            <a:off x="1115616" y="2437830"/>
+            <a:ext cx="6480720" cy="3943497"/>
           </a:xfrm>
           <a:prstGeom prst="rect">
             <a:avLst/>
@@ -4200,6 +6179,149 @@
 </file>
 
 <file path=ppt/slides/slide6.xml><?xml version="1.0" encoding="utf-8"?>
+<p:sld xmlns:a="http://schemas.openxmlformats.org/drawingml/2006/main" xmlns:r="http://schemas.openxmlformats.org/officeDocument/2006/relationships" xmlns:p="http://schemas.openxmlformats.org/presentationml/2006/main">
+  <p:cSld>
+    <p:spTree>
+      <p:nvGrpSpPr>
+        <p:cNvPr id="1" name=""/>
+        <p:cNvGrpSpPr/>
+        <p:nvPr/>
+      </p:nvGrpSpPr>
+      <p:grpSpPr>
+        <a:xfrm>
+          <a:off x="0" y="0"/>
+          <a:ext cx="0" cy="0"/>
+          <a:chOff x="0" y="0"/>
+          <a:chExt cx="0" cy="0"/>
+        </a:xfrm>
+      </p:grpSpPr>
+      <p:sp>
+        <p:nvSpPr>
+          <p:cNvPr id="2" name="タイトル 1"/>
+          <p:cNvSpPr>
+            <a:spLocks noGrp="1"/>
+          </p:cNvSpPr>
+          <p:nvPr>
+            <p:ph type="title"/>
+          </p:nvPr>
+        </p:nvSpPr>
+        <p:spPr/>
+        <p:txBody>
+          <a:bodyPr/>
+          <a:lstStyle/>
+          <a:p>
+            <a:r>
+              <a:rPr kumimoji="1" lang="ja-JP" altLang="en-US" dirty="0" smtClean="0"/>
+              <a:t>基本操作</a:t>
+            </a:r>
+            <a:endParaRPr kumimoji="1" lang="ja-JP" altLang="en-US" dirty="0"/>
+          </a:p>
+        </p:txBody>
+      </p:sp>
+      <p:sp>
+        <p:nvSpPr>
+          <p:cNvPr id="3" name="コンテンツ プレースホルダー 2"/>
+          <p:cNvSpPr>
+            <a:spLocks noGrp="1"/>
+          </p:cNvSpPr>
+          <p:nvPr>
+            <p:ph idx="1"/>
+          </p:nvPr>
+        </p:nvSpPr>
+        <p:spPr/>
+        <p:txBody>
+          <a:bodyPr/>
+          <a:lstStyle/>
+          <a:p>
+            <a:r>
+              <a:rPr lang="en-US" altLang="ja-JP" dirty="0" err="1" smtClean="0"/>
+              <a:t>Qmake</a:t>
+            </a:r>
+            <a:r>
+              <a:rPr lang="en-US" altLang="ja-JP" dirty="0" smtClean="0"/>
+              <a:t> or </a:t>
+            </a:r>
+            <a:r>
+              <a:rPr lang="en-US" altLang="ja-JP" dirty="0" err="1" smtClean="0"/>
+              <a:t>Cmake</a:t>
+            </a:r>
+            <a:endParaRPr lang="en-US" altLang="ja-JP" dirty="0"/>
+          </a:p>
+          <a:p>
+            <a:r>
+              <a:rPr lang="ja-JP" altLang="en-US" dirty="0"/>
+              <a:t>既定クラス　</a:t>
+            </a:r>
+            <a:r>
+              <a:rPr lang="en-US" altLang="ja-JP" dirty="0" err="1"/>
+              <a:t>QWidget</a:t>
+            </a:r>
+            <a:endParaRPr lang="en-US" altLang="ja-JP" dirty="0"/>
+          </a:p>
+          <a:p>
+            <a:r>
+              <a:rPr lang="ja-JP" altLang="en-US" dirty="0"/>
+              <a:t>プロジェクトファイル </a:t>
+            </a:r>
+            <a:r>
+              <a:rPr lang="en-US" altLang="ja-JP" dirty="0"/>
+              <a:t>.</a:t>
+            </a:r>
+            <a:r>
+              <a:rPr lang="en-US" altLang="ja-JP" dirty="0" smtClean="0"/>
+              <a:t>pro</a:t>
+            </a:r>
+          </a:p>
+          <a:p>
+            <a:r>
+              <a:rPr lang="en-US" altLang="ja-JP" dirty="0" smtClean="0"/>
+              <a:t>.pro</a:t>
+            </a:r>
+            <a:r>
+              <a:rPr lang="ja-JP" altLang="en-US" dirty="0"/>
+              <a:t>開く</a:t>
+            </a:r>
+            <a:r>
+              <a:rPr lang="ja-JP" altLang="en-US" dirty="0" smtClean="0"/>
+              <a:t>ときは</a:t>
+            </a:r>
+            <a:r>
+              <a:rPr lang="en-US" altLang="ja-JP" dirty="0" smtClean="0"/>
+              <a:t>configure project</a:t>
+            </a:r>
+            <a:r>
+              <a:rPr lang="ja-JP" altLang="en-US" dirty="0" smtClean="0"/>
+              <a:t>で環境に合わせて</a:t>
+            </a:r>
+            <a:r>
+              <a:rPr lang="en-US" altLang="ja-JP" dirty="0" smtClean="0"/>
+              <a:t>.user</a:t>
+            </a:r>
+            <a:r>
+              <a:rPr lang="ja-JP" altLang="en-US" dirty="0" smtClean="0"/>
+              <a:t>ファイルを作成する。</a:t>
+            </a:r>
+            <a:endParaRPr lang="en-US" altLang="ja-JP" dirty="0"/>
+          </a:p>
+          <a:p>
+            <a:endParaRPr kumimoji="1" lang="ja-JP" altLang="en-US" dirty="0"/>
+          </a:p>
+        </p:txBody>
+      </p:sp>
+    </p:spTree>
+    <p:extLst>
+      <p:ext uri="{BB962C8B-B14F-4D97-AF65-F5344CB8AC3E}">
+        <p14:creationId xmlns:p14="http://schemas.microsoft.com/office/powerpoint/2010/main" val="2422714710"/>
+      </p:ext>
+    </p:extLst>
+  </p:cSld>
+  <p:clrMapOvr>
+    <a:masterClrMapping/>
+  </p:clrMapOvr>
+</p:sld>
+</file>
+
+<file path=ppt/slides/slide7.xml><?xml version="1.0" encoding="utf-8"?>
 <p:sld xmlns:a="http://schemas.openxmlformats.org/drawingml/2006/main" xmlns:r="http://schemas.openxmlformats.org/officeDocument/2006/relationships" xmlns:p="http://schemas.openxmlformats.org/presentationml/2006/main">
   <p:cSld>
     <p:spTree>
@@ -4813,96 +6935,6 @@
 </p:sld>
 </file>
 
-<file path=ppt/slides/slide7.xml><?xml version="1.0" encoding="utf-8"?>
-<p:sld xmlns:a="http://schemas.openxmlformats.org/drawingml/2006/main" xmlns:r="http://schemas.openxmlformats.org/officeDocument/2006/relationships" xmlns:p="http://schemas.openxmlformats.org/presentationml/2006/main">
-  <p:cSld>
-    <p:spTree>
-      <p:nvGrpSpPr>
-        <p:cNvPr id="1" name=""/>
-        <p:cNvGrpSpPr/>
-        <p:nvPr/>
-      </p:nvGrpSpPr>
-      <p:grpSpPr>
-        <a:xfrm>
-          <a:off x="0" y="0"/>
-          <a:ext cx="0" cy="0"/>
-          <a:chOff x="0" y="0"/>
-          <a:chExt cx="0" cy="0"/>
-        </a:xfrm>
-      </p:grpSpPr>
-      <p:sp>
-        <p:nvSpPr>
-          <p:cNvPr id="2" name="タイトル 1"/>
-          <p:cNvSpPr>
-            <a:spLocks noGrp="1"/>
-          </p:cNvSpPr>
-          <p:nvPr>
-            <p:ph type="title"/>
-          </p:nvPr>
-        </p:nvSpPr>
-        <p:spPr/>
-        <p:txBody>
-          <a:bodyPr>
-            <a:normAutofit fontScale="90000"/>
-          </a:bodyPr>
-          <a:lstStyle/>
-          <a:p>
-            <a:r>
-              <a:rPr kumimoji="1" lang="ja-JP" altLang="en-US" dirty="0" smtClean="0"/>
-              <a:t>プロジェクトのフォルダを移動する場合</a:t>
-            </a:r>
-            <a:endParaRPr kumimoji="1" lang="ja-JP" altLang="en-US" dirty="0"/>
-          </a:p>
-        </p:txBody>
-      </p:sp>
-      <p:sp>
-        <p:nvSpPr>
-          <p:cNvPr id="3" name="コンテンツ プレースホルダー 2"/>
-          <p:cNvSpPr>
-            <a:spLocks noGrp="1"/>
-          </p:cNvSpPr>
-          <p:nvPr>
-            <p:ph idx="1"/>
-          </p:nvPr>
-        </p:nvSpPr>
-        <p:spPr/>
-        <p:txBody>
-          <a:bodyPr/>
-          <a:lstStyle/>
-          <a:p>
-            <a:r>
-              <a:rPr lang="en-US" altLang="ja-JP" dirty="0"/>
-              <a:t>.</a:t>
-            </a:r>
-            <a:r>
-              <a:rPr lang="en-US" altLang="ja-JP" dirty="0" smtClean="0"/>
-              <a:t>user</a:t>
-            </a:r>
-            <a:r>
-              <a:rPr lang="ja-JP" altLang="en-US" dirty="0" err="1" smtClean="0"/>
-              <a:t>を削</a:t>
-            </a:r>
-            <a:r>
-              <a:rPr lang="ja-JP" altLang="en-US" dirty="0" smtClean="0"/>
-              <a:t>除する、</a:t>
-            </a:r>
-            <a:endParaRPr kumimoji="1" lang="ja-JP" altLang="en-US" dirty="0"/>
-          </a:p>
-        </p:txBody>
-      </p:sp>
-    </p:spTree>
-    <p:extLst>
-      <p:ext uri="{BB962C8B-B14F-4D97-AF65-F5344CB8AC3E}">
-        <p14:creationId xmlns:p14="http://schemas.microsoft.com/office/powerpoint/2010/main" val="2281297566"/>
-      </p:ext>
-    </p:extLst>
-  </p:cSld>
-  <p:clrMapOvr>
-    <a:masterClrMapping/>
-  </p:clrMapOvr>
-</p:sld>
-</file>
-
 <file path=ppt/slides/slide8.xml><?xml version="1.0" encoding="utf-8"?>
 <p:sld xmlns:a="http://schemas.openxmlformats.org/drawingml/2006/main" xmlns:r="http://schemas.openxmlformats.org/officeDocument/2006/relationships" xmlns:p="http://schemas.openxmlformats.org/presentationml/2006/main">
   <p:cSld>
@@ -4936,166 +6968,545 @@
           <a:lstStyle/>
           <a:p>
             <a:r>
-              <a:rPr kumimoji="1" lang="en-US" altLang="ja-JP" dirty="0" err="1" smtClean="0"/>
-              <a:t>Gitignore</a:t>
-            </a:r>
-            <a:r>
-              <a:rPr kumimoji="1" lang="ja-JP" altLang="en-US" dirty="0" smtClean="0"/>
-              <a:t>について</a:t>
-            </a:r>
-            <a:endParaRPr kumimoji="1" lang="ja-JP" altLang="en-US" dirty="0"/>
-          </a:p>
-        </p:txBody>
-      </p:sp>
-      <p:sp>
-        <p:nvSpPr>
-          <p:cNvPr id="3" name="コンテンツ プレースホルダー 2"/>
-          <p:cNvSpPr>
-            <a:spLocks noGrp="1"/>
-          </p:cNvSpPr>
-          <p:nvPr>
-            <p:ph idx="1"/>
-          </p:nvPr>
-        </p:nvSpPr>
-        <p:spPr/>
-        <p:txBody>
-          <a:bodyPr/>
-          <a:lstStyle/>
-          <a:p>
+              <a:rPr lang="ja-JP" altLang="en-US" dirty="0" smtClean="0"/>
+              <a:t>イベントと処理の紐づけ</a:t>
+            </a:r>
+            <a:r>
+              <a:rPr lang="en-US" altLang="ja-JP" dirty="0" smtClean="0"/>
+              <a:t>1</a:t>
+            </a:r>
             <a:endParaRPr kumimoji="1" lang="ja-JP" altLang="en-US" dirty="0"/>
           </a:p>
         </p:txBody>
       </p:sp>
       <p:pic>
         <p:nvPicPr>
-          <p:cNvPr id="3074" name="Picture 2"/>
+          <p:cNvPr id="6" name="コンテンツ プレースホルダー 5"/>
           <p:cNvPicPr>
-            <a:picLocks noChangeAspect="1" noChangeArrowheads="1"/>
+            <a:picLocks noGrp="1" noChangeAspect="1"/>
           </p:cNvPicPr>
-          <p:nvPr/>
+          <p:nvPr>
+            <p:ph idx="1"/>
+          </p:nvPr>
         </p:nvPicPr>
         <p:blipFill>
-          <a:blip r:embed="rId2">
-            <a:extLst>
-              <a:ext uri="{28A0092B-C50C-407E-A947-70E740481C1C}">
-                <a14:useLocalDpi xmlns:a14="http://schemas.microsoft.com/office/drawing/2010/main" val="0"/>
-              </a:ext>
-            </a:extLst>
-          </a:blip>
-          <a:srcRect/>
+          <a:blip r:embed="rId2"/>
           <a:stretch>
             <a:fillRect/>
           </a:stretch>
         </p:blipFill>
-        <p:spPr bwMode="auto">
-          <a:xfrm>
-            <a:off x="611560" y="2077934"/>
-            <a:ext cx="3816424" cy="4518079"/>
-          </a:xfrm>
-          <a:prstGeom prst="rect">
-            <a:avLst/>
-          </a:prstGeom>
-          <a:noFill/>
-          <a:ln>
-            <a:noFill/>
-          </a:ln>
-          <a:effectLst/>
-          <a:extLst>
-            <a:ext uri="{909E8E84-426E-40DD-AFC4-6F175D3DCCD1}">
-              <a14:hiddenFill xmlns:a14="http://schemas.microsoft.com/office/drawing/2010/main">
-                <a:solidFill>
-                  <a:schemeClr val="accent1"/>
-                </a:solidFill>
-              </a14:hiddenFill>
-            </a:ext>
-            <a:ext uri="{91240B29-F687-4F45-9708-019B960494DF}">
-              <a14:hiddenLine xmlns:a14="http://schemas.microsoft.com/office/drawing/2010/main" w="9525">
-                <a:solidFill>
-                  <a:schemeClr val="tx1"/>
-                </a:solidFill>
-                <a:miter lim="800000"/>
-                <a:headEnd/>
-                <a:tailEnd/>
-              </a14:hiddenLine>
-            </a:ext>
-            <a:ext uri="{AF507438-7753-43E0-B8FC-AC1667EBCBE1}">
-              <a14:hiddenEffects xmlns:a14="http://schemas.microsoft.com/office/drawing/2010/main">
-                <a:effectLst>
-                  <a:outerShdw dist="35921" dir="2700000" algn="ctr" rotWithShape="0">
-                    <a:schemeClr val="bg2"/>
-                  </a:outerShdw>
-                </a:effectLst>
-              </a14:hiddenEffects>
-            </a:ext>
-          </a:extLst>
-        </p:spPr>
-      </p:pic>
-      <p:sp>
-        <p:nvSpPr>
-          <p:cNvPr id="4" name="正方形/長方形 3"/>
-          <p:cNvSpPr/>
-          <p:nvPr/>
-        </p:nvSpPr>
         <p:spPr>
           <a:xfrm>
-            <a:off x="4860032" y="3645024"/>
-            <a:ext cx="3580467" cy="369332"/>
+            <a:off x="683568" y="1844824"/>
+            <a:ext cx="2529054" cy="1885201"/>
           </a:xfrm>
           <a:prstGeom prst="rect">
             <a:avLst/>
           </a:prstGeom>
         </p:spPr>
-        <p:txBody>
-          <a:bodyPr wrap="none">
-            <a:spAutoFit/>
-          </a:bodyPr>
-          <a:lstStyle/>
-          <a:p>
-            <a:r>
-              <a:rPr lang="en-US" altLang="ja-JP" dirty="0" smtClean="0"/>
-              <a:t>https://github.com/github/gitignore</a:t>
-            </a:r>
-            <a:endParaRPr lang="ja-JP" altLang="en-US" dirty="0"/>
-          </a:p>
-        </p:txBody>
-      </p:sp>
-      <p:sp>
-        <p:nvSpPr>
-          <p:cNvPr id="5" name="正方形/長方形 4"/>
-          <p:cNvSpPr/>
+      </p:pic>
+      <p:pic>
+        <p:nvPicPr>
+          <p:cNvPr id="8" name="図 7"/>
+          <p:cNvPicPr>
+            <a:picLocks noChangeAspect="1"/>
+          </p:cNvPicPr>
           <p:nvPr/>
-        </p:nvSpPr>
+        </p:nvPicPr>
+        <p:blipFill>
+          <a:blip r:embed="rId3"/>
+          <a:stretch>
+            <a:fillRect/>
+          </a:stretch>
+        </p:blipFill>
         <p:spPr>
           <a:xfrm>
-            <a:off x="5436096" y="5013176"/>
-            <a:ext cx="1081835" cy="369332"/>
+            <a:off x="1403648" y="4581128"/>
+            <a:ext cx="4352782" cy="1728192"/>
           </a:xfrm>
           <a:prstGeom prst="rect">
             <a:avLst/>
           </a:prstGeom>
         </p:spPr>
-        <p:txBody>
-          <a:bodyPr wrap="none">
-            <a:spAutoFit/>
-          </a:bodyPr>
-          <a:lstStyle/>
-          <a:p>
-            <a:r>
-              <a:rPr lang="en-US" altLang="ja-JP" dirty="0" smtClean="0"/>
-              <a:t>.</a:t>
-            </a:r>
-            <a:r>
-              <a:rPr lang="en-US" altLang="ja-JP" dirty="0" err="1" smtClean="0"/>
-              <a:t>gitignore</a:t>
-            </a:r>
-            <a:endParaRPr lang="ja-JP" altLang="en-US" dirty="0"/>
-          </a:p>
-        </p:txBody>
-      </p:sp>
+      </p:pic>
+      <p:pic>
+        <p:nvPicPr>
+          <p:cNvPr id="13" name="図 12"/>
+          <p:cNvPicPr>
+            <a:picLocks noChangeAspect="1"/>
+          </p:cNvPicPr>
+          <p:nvPr/>
+        </p:nvPicPr>
+        <p:blipFill>
+          <a:blip r:embed="rId4"/>
+          <a:stretch>
+            <a:fillRect/>
+          </a:stretch>
+        </p:blipFill>
+        <p:spPr>
+          <a:xfrm>
+            <a:off x="4581169" y="1832165"/>
+            <a:ext cx="4169756" cy="2520280"/>
+          </a:xfrm>
+          <a:prstGeom prst="rect">
+            <a:avLst/>
+          </a:prstGeom>
+        </p:spPr>
+      </p:pic>
+      <p:sp>
+        <p:nvSpPr>
+          <p:cNvPr id="18" name="円/楕円 8"/>
+          <p:cNvSpPr/>
+          <p:nvPr/>
+        </p:nvSpPr>
+        <p:spPr>
+          <a:xfrm>
+            <a:off x="1547664" y="2348880"/>
+            <a:ext cx="936104" cy="432048"/>
+          </a:xfrm>
+          <a:prstGeom prst="ellipse">
+            <a:avLst/>
+          </a:prstGeom>
+          <a:noFill/>
+          <a:ln>
+            <a:solidFill>
+              <a:srgbClr val="FF0000"/>
+            </a:solidFill>
+          </a:ln>
+        </p:spPr>
+        <p:style>
+          <a:lnRef idx="2">
+            <a:schemeClr val="accent1">
+              <a:shade val="50000"/>
+            </a:schemeClr>
+          </a:lnRef>
+          <a:fillRef idx="1">
+            <a:schemeClr val="accent1"/>
+          </a:fillRef>
+          <a:effectRef idx="0">
+            <a:schemeClr val="accent1"/>
+          </a:effectRef>
+          <a:fontRef idx="minor">
+            <a:schemeClr val="lt1"/>
+          </a:fontRef>
+        </p:style>
+        <p:txBody>
+          <a:bodyPr rtlCol="0" anchor="ctr"/>
+          <a:lstStyle/>
+          <a:p>
+            <a:pPr algn="ctr"/>
+            <a:endParaRPr kumimoji="1" lang="ja-JP" altLang="en-US"/>
+          </a:p>
+        </p:txBody>
+      </p:sp>
+      <p:sp>
+        <p:nvSpPr>
+          <p:cNvPr id="19" name="円/楕円 8"/>
+          <p:cNvSpPr/>
+          <p:nvPr/>
+        </p:nvSpPr>
+        <p:spPr>
+          <a:xfrm>
+            <a:off x="4788024" y="2132856"/>
+            <a:ext cx="3816424" cy="2304256"/>
+          </a:xfrm>
+          <a:prstGeom prst="ellipse">
+            <a:avLst/>
+          </a:prstGeom>
+          <a:noFill/>
+          <a:ln>
+            <a:solidFill>
+              <a:srgbClr val="FF0000"/>
+            </a:solidFill>
+          </a:ln>
+        </p:spPr>
+        <p:style>
+          <a:lnRef idx="2">
+            <a:schemeClr val="accent1">
+              <a:shade val="50000"/>
+            </a:schemeClr>
+          </a:lnRef>
+          <a:fillRef idx="1">
+            <a:schemeClr val="accent1"/>
+          </a:fillRef>
+          <a:effectRef idx="0">
+            <a:schemeClr val="accent1"/>
+          </a:effectRef>
+          <a:fontRef idx="minor">
+            <a:schemeClr val="lt1"/>
+          </a:fontRef>
+        </p:style>
+        <p:txBody>
+          <a:bodyPr rtlCol="0" anchor="ctr"/>
+          <a:lstStyle/>
+          <a:p>
+            <a:pPr algn="ctr"/>
+            <a:endParaRPr kumimoji="1" lang="ja-JP" altLang="en-US"/>
+          </a:p>
+        </p:txBody>
+      </p:sp>
+      <p:cxnSp>
+        <p:nvCxnSpPr>
+          <p:cNvPr id="20" name="直線矢印コネクタ 19"/>
+          <p:cNvCxnSpPr/>
+          <p:nvPr/>
+        </p:nvCxnSpPr>
+        <p:spPr>
+          <a:xfrm>
+            <a:off x="1979712" y="2852936"/>
+            <a:ext cx="720080" cy="2664296"/>
+          </a:xfrm>
+          <a:prstGeom prst="straightConnector1">
+            <a:avLst/>
+          </a:prstGeom>
+          <a:ln w="12700">
+            <a:solidFill>
+              <a:srgbClr val="FF0000"/>
+            </a:solidFill>
+            <a:tailEnd type="arrow"/>
+          </a:ln>
+        </p:spPr>
+        <p:style>
+          <a:lnRef idx="1">
+            <a:schemeClr val="accent1"/>
+          </a:lnRef>
+          <a:fillRef idx="0">
+            <a:schemeClr val="accent1"/>
+          </a:fillRef>
+          <a:effectRef idx="0">
+            <a:schemeClr val="accent1"/>
+          </a:effectRef>
+          <a:fontRef idx="minor">
+            <a:schemeClr val="tx1"/>
+          </a:fontRef>
+        </p:style>
+      </p:cxnSp>
+      <p:cxnSp>
+        <p:nvCxnSpPr>
+          <p:cNvPr id="23" name="直線矢印コネクタ 22"/>
+          <p:cNvCxnSpPr/>
+          <p:nvPr/>
+        </p:nvCxnSpPr>
+        <p:spPr>
+          <a:xfrm flipV="1">
+            <a:off x="4716016" y="3861048"/>
+            <a:ext cx="216024" cy="1728192"/>
+          </a:xfrm>
+          <a:prstGeom prst="straightConnector1">
+            <a:avLst/>
+          </a:prstGeom>
+          <a:ln w="12700">
+            <a:solidFill>
+              <a:srgbClr val="FF0000"/>
+            </a:solidFill>
+            <a:tailEnd type="arrow"/>
+          </a:ln>
+        </p:spPr>
+        <p:style>
+          <a:lnRef idx="1">
+            <a:schemeClr val="accent1"/>
+          </a:lnRef>
+          <a:fillRef idx="0">
+            <a:schemeClr val="accent1"/>
+          </a:fillRef>
+          <a:effectRef idx="0">
+            <a:schemeClr val="accent1"/>
+          </a:effectRef>
+          <a:fontRef idx="minor">
+            <a:schemeClr val="tx1"/>
+          </a:fontRef>
+        </p:style>
+      </p:cxnSp>
+      <p:sp>
+        <p:nvSpPr>
+          <p:cNvPr id="24" name="正方形/長方形 23"/>
+          <p:cNvSpPr/>
+          <p:nvPr/>
+        </p:nvSpPr>
+        <p:spPr>
+          <a:xfrm>
+            <a:off x="971600" y="1598890"/>
+            <a:ext cx="2088232" cy="410344"/>
+          </a:xfrm>
+          <a:prstGeom prst="rect">
+            <a:avLst/>
+          </a:prstGeom>
+          <a:solidFill>
+            <a:schemeClr val="bg1"/>
+          </a:solidFill>
+          <a:ln>
+            <a:solidFill>
+              <a:schemeClr val="tx1"/>
+            </a:solidFill>
+          </a:ln>
+        </p:spPr>
+        <p:style>
+          <a:lnRef idx="2">
+            <a:schemeClr val="accent1">
+              <a:shade val="50000"/>
+            </a:schemeClr>
+          </a:lnRef>
+          <a:fillRef idx="1">
+            <a:schemeClr val="accent1"/>
+          </a:fillRef>
+          <a:effectRef idx="0">
+            <a:schemeClr val="accent1"/>
+          </a:effectRef>
+          <a:fontRef idx="minor">
+            <a:schemeClr val="lt1"/>
+          </a:fontRef>
+        </p:style>
+        <p:txBody>
+          <a:bodyPr rtlCol="0" anchor="ctr"/>
+          <a:lstStyle/>
+          <a:p>
+            <a:pPr algn="ctr"/>
+            <a:r>
+              <a:rPr lang="ja-JP" altLang="en-US" dirty="0" smtClean="0">
+                <a:solidFill>
+                  <a:schemeClr val="tx1"/>
+                </a:solidFill>
+              </a:rPr>
+              <a:t>イベント＝シグナル</a:t>
+            </a:r>
+            <a:endParaRPr kumimoji="1" lang="ja-JP" altLang="en-US" dirty="0">
+              <a:solidFill>
+                <a:schemeClr val="tx1"/>
+              </a:solidFill>
+            </a:endParaRPr>
+          </a:p>
+        </p:txBody>
+      </p:sp>
+      <p:sp>
+        <p:nvSpPr>
+          <p:cNvPr id="28" name="正方形/長方形 27"/>
+          <p:cNvSpPr/>
+          <p:nvPr/>
+        </p:nvSpPr>
+        <p:spPr>
+          <a:xfrm>
+            <a:off x="5724128" y="1421821"/>
+            <a:ext cx="2088232" cy="410344"/>
+          </a:xfrm>
+          <a:prstGeom prst="rect">
+            <a:avLst/>
+          </a:prstGeom>
+          <a:solidFill>
+            <a:schemeClr val="bg1"/>
+          </a:solidFill>
+          <a:ln>
+            <a:solidFill>
+              <a:schemeClr val="tx1"/>
+            </a:solidFill>
+          </a:ln>
+        </p:spPr>
+        <p:style>
+          <a:lnRef idx="2">
+            <a:schemeClr val="accent1">
+              <a:shade val="50000"/>
+            </a:schemeClr>
+          </a:lnRef>
+          <a:fillRef idx="1">
+            <a:schemeClr val="accent1"/>
+          </a:fillRef>
+          <a:effectRef idx="0">
+            <a:schemeClr val="accent1"/>
+          </a:effectRef>
+          <a:fontRef idx="minor">
+            <a:schemeClr val="lt1"/>
+          </a:fontRef>
+        </p:style>
+        <p:txBody>
+          <a:bodyPr rtlCol="0" anchor="ctr"/>
+          <a:lstStyle/>
+          <a:p>
+            <a:pPr algn="ctr"/>
+            <a:r>
+              <a:rPr lang="ja-JP" altLang="en-US" dirty="0" smtClean="0">
+                <a:solidFill>
+                  <a:schemeClr val="tx1"/>
+                </a:solidFill>
+              </a:rPr>
+              <a:t>スロット＝関数</a:t>
+            </a:r>
+            <a:endParaRPr kumimoji="1" lang="ja-JP" altLang="en-US" dirty="0">
+              <a:solidFill>
+                <a:schemeClr val="tx1"/>
+              </a:solidFill>
+            </a:endParaRPr>
+          </a:p>
+        </p:txBody>
+      </p:sp>
+      <p:sp>
+        <p:nvSpPr>
+          <p:cNvPr id="29" name="正方形/長方形 28"/>
+          <p:cNvSpPr/>
+          <p:nvPr/>
+        </p:nvSpPr>
+        <p:spPr>
+          <a:xfrm>
+            <a:off x="2483768" y="6368335"/>
+            <a:ext cx="2592288" cy="410344"/>
+          </a:xfrm>
+          <a:prstGeom prst="rect">
+            <a:avLst/>
+          </a:prstGeom>
+          <a:solidFill>
+            <a:schemeClr val="bg1"/>
+          </a:solidFill>
+          <a:ln>
+            <a:solidFill>
+              <a:schemeClr val="tx1"/>
+            </a:solidFill>
+          </a:ln>
+        </p:spPr>
+        <p:style>
+          <a:lnRef idx="2">
+            <a:schemeClr val="accent1">
+              <a:shade val="50000"/>
+            </a:schemeClr>
+          </a:lnRef>
+          <a:fillRef idx="1">
+            <a:schemeClr val="accent1"/>
+          </a:fillRef>
+          <a:effectRef idx="0">
+            <a:schemeClr val="accent1"/>
+          </a:effectRef>
+          <a:fontRef idx="minor">
+            <a:schemeClr val="lt1"/>
+          </a:fontRef>
+        </p:style>
+        <p:txBody>
+          <a:bodyPr rtlCol="0" anchor="ctr"/>
+          <a:lstStyle/>
+          <a:p>
+            <a:pPr algn="ctr"/>
+            <a:r>
+              <a:rPr kumimoji="1" lang="en-US" altLang="ja-JP" dirty="0" smtClean="0">
+                <a:solidFill>
+                  <a:schemeClr val="tx1"/>
+                </a:solidFill>
+              </a:rPr>
+              <a:t>Signals and slot Editor</a:t>
+            </a:r>
+            <a:endParaRPr kumimoji="1" lang="ja-JP" altLang="en-US" dirty="0">
+              <a:solidFill>
+                <a:schemeClr val="tx1"/>
+              </a:solidFill>
+            </a:endParaRPr>
+          </a:p>
+        </p:txBody>
+      </p:sp>
+      <p:pic>
+        <p:nvPicPr>
+          <p:cNvPr id="26" name="図 25"/>
+          <p:cNvPicPr>
+            <a:picLocks noChangeAspect="1"/>
+          </p:cNvPicPr>
+          <p:nvPr/>
+        </p:nvPicPr>
+        <p:blipFill>
+          <a:blip r:embed="rId5"/>
+          <a:stretch>
+            <a:fillRect/>
+          </a:stretch>
+        </p:blipFill>
+        <p:spPr>
+          <a:xfrm>
+            <a:off x="5316630" y="4676615"/>
+            <a:ext cx="3301965" cy="1848722"/>
+          </a:xfrm>
+          <a:prstGeom prst="rect">
+            <a:avLst/>
+          </a:prstGeom>
+        </p:spPr>
+      </p:pic>
+      <p:sp>
+        <p:nvSpPr>
+          <p:cNvPr id="34" name="円/楕円 8"/>
+          <p:cNvSpPr/>
+          <p:nvPr/>
+        </p:nvSpPr>
+        <p:spPr>
+          <a:xfrm>
+            <a:off x="5796136" y="5733256"/>
+            <a:ext cx="2376264" cy="815567"/>
+          </a:xfrm>
+          <a:prstGeom prst="ellipse">
+            <a:avLst/>
+          </a:prstGeom>
+          <a:noFill/>
+          <a:ln>
+            <a:solidFill>
+              <a:srgbClr val="FF0000"/>
+            </a:solidFill>
+          </a:ln>
+        </p:spPr>
+        <p:style>
+          <a:lnRef idx="2">
+            <a:schemeClr val="accent1">
+              <a:shade val="50000"/>
+            </a:schemeClr>
+          </a:lnRef>
+          <a:fillRef idx="1">
+            <a:schemeClr val="accent1"/>
+          </a:fillRef>
+          <a:effectRef idx="0">
+            <a:schemeClr val="accent1"/>
+          </a:effectRef>
+          <a:fontRef idx="minor">
+            <a:schemeClr val="lt1"/>
+          </a:fontRef>
+        </p:style>
+        <p:txBody>
+          <a:bodyPr rtlCol="0" anchor="ctr"/>
+          <a:lstStyle/>
+          <a:p>
+            <a:pPr algn="ctr"/>
+            <a:endParaRPr kumimoji="1" lang="ja-JP" altLang="en-US"/>
+          </a:p>
+        </p:txBody>
+      </p:sp>
+      <p:cxnSp>
+        <p:nvCxnSpPr>
+          <p:cNvPr id="35" name="直線矢印コネクタ 34"/>
+          <p:cNvCxnSpPr/>
+          <p:nvPr/>
+        </p:nvCxnSpPr>
+        <p:spPr>
+          <a:xfrm flipH="1" flipV="1">
+            <a:off x="5188765" y="5445224"/>
+            <a:ext cx="1184317" cy="432048"/>
+          </a:xfrm>
+          <a:prstGeom prst="straightConnector1">
+            <a:avLst/>
+          </a:prstGeom>
+          <a:ln w="12700">
+            <a:solidFill>
+              <a:srgbClr val="FF0000"/>
+            </a:solidFill>
+            <a:tailEnd type="arrow"/>
+          </a:ln>
+        </p:spPr>
+        <p:style>
+          <a:lnRef idx="1">
+            <a:schemeClr val="accent1"/>
+          </a:lnRef>
+          <a:fillRef idx="0">
+            <a:schemeClr val="accent1"/>
+          </a:fillRef>
+          <a:effectRef idx="0">
+            <a:schemeClr val="accent1"/>
+          </a:effectRef>
+          <a:fontRef idx="minor">
+            <a:schemeClr val="tx1"/>
+          </a:fontRef>
+        </p:style>
+      </p:cxnSp>
     </p:spTree>
     <p:extLst>
       <p:ext uri="{BB962C8B-B14F-4D97-AF65-F5344CB8AC3E}">
-        <p14:creationId xmlns:p14="http://schemas.microsoft.com/office/powerpoint/2010/main" val="2070360824"/>
+        <p14:creationId xmlns:p14="http://schemas.microsoft.com/office/powerpoint/2010/main" val="3956266838"/>
       </p:ext>
     </p:extLst>
   </p:cSld>
@@ -5138,12 +7549,12 @@
           <a:lstStyle/>
           <a:p>
             <a:r>
-              <a:rPr kumimoji="1" lang="en-US" altLang="ja-JP" dirty="0" err="1" smtClean="0"/>
-              <a:t>Qt</a:t>
-            </a:r>
-            <a:r>
-              <a:rPr kumimoji="1" lang="ja-JP" altLang="en-US" dirty="0" smtClean="0"/>
-              <a:t>クリエーター</a:t>
+              <a:rPr lang="ja-JP" altLang="en-US" dirty="0" smtClean="0"/>
+              <a:t>イベントと処理の紐づけ</a:t>
+            </a:r>
+            <a:r>
+              <a:rPr lang="en-US" altLang="ja-JP" dirty="0"/>
+              <a:t>2</a:t>
             </a:r>
             <a:endParaRPr kumimoji="1" lang="ja-JP" altLang="en-US" dirty="0"/>
           </a:p>
@@ -5162,173 +7573,166 @@
         <p:spPr/>
         <p:txBody>
           <a:bodyPr>
-            <a:normAutofit fontScale="85000" lnSpcReduction="20000"/>
+            <a:normAutofit/>
           </a:bodyPr>
           <a:lstStyle/>
           <a:p>
             <a:r>
-              <a:rPr lang="ja-JP" altLang="en-US" dirty="0" smtClean="0"/>
-              <a:t>ウィンドウ分割</a:t>
-            </a:r>
-            <a:endParaRPr lang="en-US" altLang="ja-JP" dirty="0" smtClean="0"/>
-          </a:p>
-          <a:p>
-            <a:endParaRPr kumimoji="1" lang="en-US" altLang="ja-JP" dirty="0"/>
-          </a:p>
-          <a:p>
-            <a:endParaRPr lang="en-US" altLang="ja-JP" dirty="0" smtClean="0"/>
-          </a:p>
-          <a:p>
-            <a:endParaRPr kumimoji="1" lang="en-US" altLang="ja-JP" dirty="0"/>
-          </a:p>
-          <a:p>
-            <a:endParaRPr lang="en-US" altLang="ja-JP" dirty="0" smtClean="0"/>
-          </a:p>
-          <a:p>
-            <a:endParaRPr kumimoji="1" lang="en-US" altLang="ja-JP" dirty="0"/>
-          </a:p>
-          <a:p>
-            <a:r>
-              <a:rPr lang="en-US" altLang="ja-JP" dirty="0" smtClean="0"/>
-              <a:t>.</a:t>
-            </a:r>
-            <a:r>
-              <a:rPr lang="en-US" altLang="ja-JP" dirty="0" err="1" smtClean="0"/>
-              <a:t>cpp</a:t>
-            </a:r>
-            <a:r>
-              <a:rPr lang="ja-JP" altLang="en-US" dirty="0" smtClean="0"/>
-              <a:t>と</a:t>
-            </a:r>
-            <a:r>
-              <a:rPr lang="en-US" altLang="ja-JP" dirty="0" smtClean="0"/>
-              <a:t>.h</a:t>
-            </a:r>
-            <a:r>
-              <a:rPr lang="ja-JP" altLang="en-US" dirty="0" smtClean="0"/>
-              <a:t>のファイル間の移動 </a:t>
-            </a:r>
-            <a:r>
-              <a:rPr lang="en-US" altLang="ja-JP" dirty="0" smtClean="0"/>
-              <a:t>F4</a:t>
-            </a:r>
-            <a:r>
-              <a:rPr lang="ja-JP" altLang="en-US" dirty="0" smtClean="0"/>
-              <a:t>キー</a:t>
-            </a:r>
-            <a:endParaRPr lang="en-US" altLang="ja-JP" dirty="0" smtClean="0"/>
-          </a:p>
-          <a:p>
-            <a:r>
-              <a:rPr kumimoji="1" lang="ja-JP" altLang="en-US" dirty="0" smtClean="0"/>
-              <a:t>タグジャンプ </a:t>
-            </a:r>
-            <a:r>
-              <a:rPr kumimoji="1" lang="en-US" altLang="ja-JP" dirty="0" smtClean="0"/>
-              <a:t>F2</a:t>
-            </a:r>
-            <a:r>
-              <a:rPr kumimoji="1" lang="ja-JP" altLang="en-US" dirty="0" smtClean="0"/>
-              <a:t>キー</a:t>
-            </a:r>
-            <a:endParaRPr kumimoji="1" lang="en-US" altLang="ja-JP" dirty="0" smtClean="0"/>
-          </a:p>
-          <a:p>
-            <a:r>
-              <a:rPr lang="ja-JP" altLang="en-US" dirty="0" smtClean="0"/>
-              <a:t>バックジャンプ </a:t>
-            </a:r>
-            <a:r>
-              <a:rPr lang="en-US" altLang="ja-JP" dirty="0" smtClean="0"/>
-              <a:t>Alt + </a:t>
-            </a:r>
-            <a:r>
-              <a:rPr lang="ja-JP" altLang="en-US" dirty="0" smtClean="0"/>
-              <a:t>左矢印キー</a:t>
-            </a:r>
-            <a:endParaRPr lang="en-US" altLang="ja-JP" dirty="0" smtClean="0"/>
-          </a:p>
-          <a:p>
-            <a:r>
-              <a:rPr kumimoji="1" lang="ja-JP" altLang="en-US" dirty="0" smtClean="0"/>
-              <a:t>検索　</a:t>
-            </a:r>
-            <a:r>
-              <a:rPr kumimoji="1" lang="en-US" altLang="ja-JP" dirty="0" smtClean="0"/>
-              <a:t>Ctrl + Shift + f</a:t>
-            </a:r>
-            <a:endParaRPr kumimoji="1" lang="ja-JP" altLang="en-US" dirty="0"/>
-          </a:p>
-        </p:txBody>
-      </p:sp>
+              <a:rPr lang="ja-JP" altLang="en-US" sz="1600" dirty="0" smtClean="0"/>
+              <a:t>ボタンを選択して右クリックメニューから</a:t>
+            </a:r>
+            <a:r>
+              <a:rPr lang="en-US" altLang="ja-JP" sz="1600" dirty="0" smtClean="0"/>
+              <a:t>Slot</a:t>
+            </a:r>
+            <a:r>
+              <a:rPr lang="ja-JP" altLang="en-US" sz="1600" dirty="0" smtClean="0"/>
+              <a:t>へ移動を使った実装方法</a:t>
+            </a:r>
+            <a:endParaRPr lang="en-US" altLang="ja-JP" sz="1600" dirty="0" smtClean="0"/>
+          </a:p>
+          <a:p>
+            <a:r>
+              <a:rPr lang="en-US" altLang="ja-JP" sz="1600" dirty="0" smtClean="0"/>
+              <a:t>On_&lt;</a:t>
+            </a:r>
+            <a:r>
+              <a:rPr lang="ja-JP" altLang="en-US" sz="1600" dirty="0" smtClean="0"/>
+              <a:t>ボタン名</a:t>
+            </a:r>
+            <a:r>
+              <a:rPr lang="en-US" altLang="ja-JP" sz="1600" dirty="0" smtClean="0"/>
+              <a:t>&gt;_&lt;</a:t>
+            </a:r>
+            <a:r>
+              <a:rPr lang="ja-JP" altLang="en-US" sz="1600" dirty="0" smtClean="0"/>
+              <a:t>イベント名</a:t>
+            </a:r>
+            <a:r>
+              <a:rPr lang="en-US" altLang="ja-JP" sz="1600" dirty="0" smtClean="0"/>
+              <a:t>&gt;</a:t>
+            </a:r>
+            <a:r>
+              <a:rPr lang="ja-JP" altLang="en-US" sz="1600" dirty="0" smtClean="0"/>
+              <a:t>の関数が追加されるので処理をこの関数内に記述する</a:t>
+            </a:r>
+            <a:endParaRPr lang="en-US" altLang="ja-JP" sz="1600" dirty="0" smtClean="0"/>
+          </a:p>
+        </p:txBody>
+      </p:sp>
+      <p:grpSp>
+        <p:nvGrpSpPr>
+          <p:cNvPr id="5" name="グループ化 4"/>
+          <p:cNvGrpSpPr/>
+          <p:nvPr/>
+        </p:nvGrpSpPr>
+        <p:grpSpPr>
+          <a:xfrm>
+            <a:off x="611560" y="2616613"/>
+            <a:ext cx="3096344" cy="3601069"/>
+            <a:chOff x="1331640" y="2924274"/>
+            <a:chExt cx="3096344" cy="3601069"/>
+          </a:xfrm>
+        </p:grpSpPr>
+        <p:pic>
+          <p:nvPicPr>
+            <p:cNvPr id="4" name="図 3"/>
+            <p:cNvPicPr>
+              <a:picLocks noChangeAspect="1"/>
+            </p:cNvPicPr>
+            <p:nvPr/>
+          </p:nvPicPr>
+          <p:blipFill>
+            <a:blip r:embed="rId2"/>
+            <a:stretch>
+              <a:fillRect/>
+            </a:stretch>
+          </p:blipFill>
+          <p:spPr>
+            <a:xfrm>
+              <a:off x="1331640" y="2924274"/>
+              <a:ext cx="3096344" cy="3601069"/>
+            </a:xfrm>
+            <a:prstGeom prst="rect">
+              <a:avLst/>
+            </a:prstGeom>
+          </p:spPr>
+        </p:pic>
+        <p:sp>
+          <p:nvSpPr>
+            <p:cNvPr id="21" name="円/楕円 8"/>
+            <p:cNvSpPr/>
+            <p:nvPr/>
+          </p:nvSpPr>
+          <p:spPr>
+            <a:xfrm>
+              <a:off x="2771800" y="5013176"/>
+              <a:ext cx="807136" cy="186262"/>
+            </a:xfrm>
+            <a:prstGeom prst="ellipse">
+              <a:avLst/>
+            </a:prstGeom>
+            <a:noFill/>
+            <a:ln>
+              <a:solidFill>
+                <a:srgbClr val="FF0000"/>
+              </a:solidFill>
+            </a:ln>
+          </p:spPr>
+          <p:style>
+            <a:lnRef idx="2">
+              <a:schemeClr val="accent1">
+                <a:shade val="50000"/>
+              </a:schemeClr>
+            </a:lnRef>
+            <a:fillRef idx="1">
+              <a:schemeClr val="accent1"/>
+            </a:fillRef>
+            <a:effectRef idx="0">
+              <a:schemeClr val="accent1"/>
+            </a:effectRef>
+            <a:fontRef idx="minor">
+              <a:schemeClr val="lt1"/>
+            </a:fontRef>
+          </p:style>
+          <p:txBody>
+            <a:bodyPr rtlCol="0" anchor="ctr"/>
+            <a:lstStyle/>
+            <a:p>
+              <a:pPr algn="ctr"/>
+              <a:endParaRPr kumimoji="1" lang="ja-JP" altLang="en-US"/>
+            </a:p>
+          </p:txBody>
+        </p:sp>
+      </p:grpSp>
       <p:pic>
         <p:nvPicPr>
-          <p:cNvPr id="5122" name="Picture 2"/>
+          <p:cNvPr id="9" name="図 8"/>
           <p:cNvPicPr>
-            <a:picLocks noChangeAspect="1" noChangeArrowheads="1"/>
+            <a:picLocks noChangeAspect="1"/>
           </p:cNvPicPr>
           <p:nvPr/>
         </p:nvPicPr>
         <p:blipFill>
-          <a:blip r:embed="rId2">
-            <a:extLst>
-              <a:ext uri="{28A0092B-C50C-407E-A947-70E740481C1C}">
-                <a14:useLocalDpi xmlns:a14="http://schemas.microsoft.com/office/drawing/2010/main" val="0"/>
-              </a:ext>
-            </a:extLst>
-          </a:blip>
-          <a:srcRect/>
+          <a:blip r:embed="rId3"/>
           <a:stretch>
             <a:fillRect/>
           </a:stretch>
         </p:blipFill>
-        <p:spPr bwMode="auto">
+        <p:spPr>
           <a:xfrm>
-            <a:off x="683569" y="2132857"/>
-            <a:ext cx="3744416" cy="1926738"/>
+            <a:off x="4216310" y="2616613"/>
+            <a:ext cx="4470490" cy="3189472"/>
           </a:xfrm>
           <a:prstGeom prst="rect">
             <a:avLst/>
           </a:prstGeom>
-          <a:noFill/>
-          <a:ln>
-            <a:noFill/>
-          </a:ln>
-          <a:effectLst/>
-          <a:extLst>
-            <a:ext uri="{909E8E84-426E-40DD-AFC4-6F175D3DCCD1}">
-              <a14:hiddenFill xmlns:a14="http://schemas.microsoft.com/office/drawing/2010/main">
-                <a:solidFill>
-                  <a:schemeClr val="accent1"/>
-                </a:solidFill>
-              </a14:hiddenFill>
-            </a:ext>
-            <a:ext uri="{91240B29-F687-4F45-9708-019B960494DF}">
-              <a14:hiddenLine xmlns:a14="http://schemas.microsoft.com/office/drawing/2010/main" w="9525">
-                <a:solidFill>
-                  <a:schemeClr val="tx1"/>
-                </a:solidFill>
-                <a:miter lim="800000"/>
-                <a:headEnd/>
-                <a:tailEnd/>
-              </a14:hiddenLine>
-            </a:ext>
-            <a:ext uri="{AF507438-7753-43E0-B8FC-AC1667EBCBE1}">
-              <a14:hiddenEffects xmlns:a14="http://schemas.microsoft.com/office/drawing/2010/main">
-                <a:effectLst>
-                  <a:outerShdw dist="35921" dir="2700000" algn="ctr" rotWithShape="0">
-                    <a:schemeClr val="bg2"/>
-                  </a:outerShdw>
-                </a:effectLst>
-              </a14:hiddenEffects>
-            </a:ext>
-          </a:extLst>
         </p:spPr>
       </p:pic>
     </p:spTree>
     <p:extLst>
       <p:ext uri="{BB962C8B-B14F-4D97-AF65-F5344CB8AC3E}">
-        <p14:creationId xmlns:p14="http://schemas.microsoft.com/office/powerpoint/2010/main" val="2069519570"/>
+        <p14:creationId xmlns:p14="http://schemas.microsoft.com/office/powerpoint/2010/main" val="1658002297"/>
       </p:ext>
     </p:extLst>
   </p:cSld>
@@ -5621,4 +8025,265 @@
   <a:objectDefaults/>
   <a:extraClrSchemeLst/>
 </a:theme>
+</file>
+
+<file path=ppt/theme/theme2.xml><?xml version="1.0" encoding="utf-8"?>
+<a:theme xmlns:a="http://schemas.openxmlformats.org/drawingml/2006/main" name="Office テーマ">
+  <a:themeElements>
+    <a:clrScheme name="Office">
+      <a:dk1>
+        <a:sysClr val="windowText" lastClr="000000"/>
+      </a:dk1>
+      <a:lt1>
+        <a:sysClr val="window" lastClr="FFFFFF"/>
+      </a:lt1>
+      <a:dk2>
+        <a:srgbClr val="44546A"/>
+      </a:dk2>
+      <a:lt2>
+        <a:srgbClr val="E7E6E6"/>
+      </a:lt2>
+      <a:accent1>
+        <a:srgbClr val="5B9BD5"/>
+      </a:accent1>
+      <a:accent2>
+        <a:srgbClr val="ED7D31"/>
+      </a:accent2>
+      <a:accent3>
+        <a:srgbClr val="A5A5A5"/>
+      </a:accent3>
+      <a:accent4>
+        <a:srgbClr val="FFC000"/>
+      </a:accent4>
+      <a:accent5>
+        <a:srgbClr val="4472C4"/>
+      </a:accent5>
+      <a:accent6>
+        <a:srgbClr val="70AD47"/>
+      </a:accent6>
+      <a:hlink>
+        <a:srgbClr val="0563C1"/>
+      </a:hlink>
+      <a:folHlink>
+        <a:srgbClr val="954F72"/>
+      </a:folHlink>
+    </a:clrScheme>
+    <a:fontScheme name="Office">
+      <a:majorFont>
+        <a:latin typeface="游ゴシック Light" panose="020F0302020204030204"/>
+        <a:ea typeface=""/>
+        <a:cs typeface=""/>
+        <a:font script="Jpan" typeface="游ゴシック Light"/>
+        <a:font script="Hang" typeface="맑은 고딕"/>
+        <a:font script="Hans" typeface="等线 Light"/>
+        <a:font script="Hant" typeface="新細明體"/>
+        <a:font script="Arab" typeface="Times New Roman"/>
+        <a:font script="Hebr" typeface="Times New Roman"/>
+        <a:font script="Thai" typeface="Angsana New"/>
+        <a:font script="Ethi" typeface="Nyala"/>
+        <a:font script="Beng" typeface="Vrinda"/>
+        <a:font script="Gujr" typeface="Shruti"/>
+        <a:font script="Khmr" typeface="MoolBoran"/>
+        <a:font script="Knda" typeface="Tunga"/>
+        <a:font script="Guru" typeface="Raavi"/>
+        <a:font script="Cans" typeface="Euphemia"/>
+        <a:font script="Cher" typeface="Plantagenet Cherokee"/>
+        <a:font script="Yiii" typeface="Microsoft Yi Baiti"/>
+        <a:font script="Tibt" typeface="Microsoft Himalaya"/>
+        <a:font script="Thaa" typeface="MV Boli"/>
+        <a:font script="Deva" typeface="Mangal"/>
+        <a:font script="Telu" typeface="Gautami"/>
+        <a:font script="Taml" typeface="Latha"/>
+        <a:font script="Syrc" typeface="Estrangelo Edessa"/>
+        <a:font script="Orya" typeface="Kalinga"/>
+        <a:font script="Mlym" typeface="Kartika"/>
+        <a:font script="Laoo" typeface="DokChampa"/>
+        <a:font script="Sinh" typeface="Iskoola Pota"/>
+        <a:font script="Mong" typeface="Mongolian Baiti"/>
+        <a:font script="Viet" typeface="Times New Roman"/>
+        <a:font script="Uigh" typeface="Microsoft Uighur"/>
+        <a:font script="Geor" typeface="Sylfaen"/>
+      </a:majorFont>
+      <a:minorFont>
+        <a:latin typeface="游ゴシック" panose="020F0502020204030204"/>
+        <a:ea typeface=""/>
+        <a:cs typeface=""/>
+        <a:font script="Jpan" typeface="游ゴシック"/>
+        <a:font script="Hang" typeface="맑은 고딕"/>
+        <a:font script="Hans" typeface="等线"/>
+        <a:font script="Hant" typeface="新細明體"/>
+        <a:font script="Arab" typeface="Arial"/>
+        <a:font script="Hebr" typeface="Arial"/>
+        <a:font script="Thai" typeface="Cordia New"/>
+        <a:font script="Ethi" typeface="Nyala"/>
+        <a:font script="Beng" typeface="Vrinda"/>
+        <a:font script="Gujr" typeface="Shruti"/>
+        <a:font script="Khmr" typeface="DaunPenh"/>
+        <a:font script="Knda" typeface="Tunga"/>
+        <a:font script="Guru" typeface="Raavi"/>
+        <a:font script="Cans" typeface="Euphemia"/>
+        <a:font script="Cher" typeface="Plantagenet Cherokee"/>
+        <a:font script="Yiii" typeface="Microsoft Yi Baiti"/>
+        <a:font script="Tibt" typeface="Microsoft Himalaya"/>
+        <a:font script="Thaa" typeface="MV Boli"/>
+        <a:font script="Deva" typeface="Mangal"/>
+        <a:font script="Telu" typeface="Gautami"/>
+        <a:font script="Taml" typeface="Latha"/>
+        <a:font script="Syrc" typeface="Estrangelo Edessa"/>
+        <a:font script="Orya" typeface="Kalinga"/>
+        <a:font script="Mlym" typeface="Kartika"/>
+        <a:font script="Laoo" typeface="DokChampa"/>
+        <a:font script="Sinh" typeface="Iskoola Pota"/>
+        <a:font script="Mong" typeface="Mongolian Baiti"/>
+        <a:font script="Viet" typeface="Arial"/>
+        <a:font script="Uigh" typeface="Microsoft Uighur"/>
+        <a:font script="Geor" typeface="Sylfaen"/>
+      </a:minorFont>
+    </a:fontScheme>
+    <a:fmtScheme name="Office">
+      <a:fillStyleLst>
+        <a:solidFill>
+          <a:schemeClr val="phClr"/>
+        </a:solidFill>
+        <a:gradFill rotWithShape="1">
+          <a:gsLst>
+            <a:gs pos="0">
+              <a:schemeClr val="phClr">
+                <a:lumMod val="110000"/>
+                <a:satMod val="105000"/>
+                <a:tint val="67000"/>
+              </a:schemeClr>
+            </a:gs>
+            <a:gs pos="50000">
+              <a:schemeClr val="phClr">
+                <a:lumMod val="105000"/>
+                <a:satMod val="103000"/>
+                <a:tint val="73000"/>
+              </a:schemeClr>
+            </a:gs>
+            <a:gs pos="100000">
+              <a:schemeClr val="phClr">
+                <a:lumMod val="105000"/>
+                <a:satMod val="109000"/>
+                <a:tint val="81000"/>
+              </a:schemeClr>
+            </a:gs>
+          </a:gsLst>
+          <a:lin ang="5400000" scaled="0"/>
+        </a:gradFill>
+        <a:gradFill rotWithShape="1">
+          <a:gsLst>
+            <a:gs pos="0">
+              <a:schemeClr val="phClr">
+                <a:satMod val="103000"/>
+                <a:lumMod val="102000"/>
+                <a:tint val="94000"/>
+              </a:schemeClr>
+            </a:gs>
+            <a:gs pos="50000">
+              <a:schemeClr val="phClr">
+                <a:satMod val="110000"/>
+                <a:lumMod val="100000"/>
+                <a:shade val="100000"/>
+              </a:schemeClr>
+            </a:gs>
+            <a:gs pos="100000">
+              <a:schemeClr val="phClr">
+                <a:lumMod val="99000"/>
+                <a:satMod val="120000"/>
+                <a:shade val="78000"/>
+              </a:schemeClr>
+            </a:gs>
+          </a:gsLst>
+          <a:lin ang="5400000" scaled="0"/>
+        </a:gradFill>
+      </a:fillStyleLst>
+      <a:lnStyleLst>
+        <a:ln w="6350" cap="flat" cmpd="sng" algn="ctr">
+          <a:solidFill>
+            <a:schemeClr val="phClr"/>
+          </a:solidFill>
+          <a:prstDash val="solid"/>
+          <a:miter lim="800000"/>
+        </a:ln>
+        <a:ln w="12700" cap="flat" cmpd="sng" algn="ctr">
+          <a:solidFill>
+            <a:schemeClr val="phClr"/>
+          </a:solidFill>
+          <a:prstDash val="solid"/>
+          <a:miter lim="800000"/>
+        </a:ln>
+        <a:ln w="19050" cap="flat" cmpd="sng" algn="ctr">
+          <a:solidFill>
+            <a:schemeClr val="phClr"/>
+          </a:solidFill>
+          <a:prstDash val="solid"/>
+          <a:miter lim="800000"/>
+        </a:ln>
+      </a:lnStyleLst>
+      <a:effectStyleLst>
+        <a:effectStyle>
+          <a:effectLst/>
+        </a:effectStyle>
+        <a:effectStyle>
+          <a:effectLst/>
+        </a:effectStyle>
+        <a:effectStyle>
+          <a:effectLst>
+            <a:outerShdw blurRad="57150" dist="19050" dir="5400000" algn="ctr" rotWithShape="0">
+              <a:srgbClr val="000000">
+                <a:alpha val="63000"/>
+              </a:srgbClr>
+            </a:outerShdw>
+          </a:effectLst>
+        </a:effectStyle>
+      </a:effectStyleLst>
+      <a:bgFillStyleLst>
+        <a:solidFill>
+          <a:schemeClr val="phClr"/>
+        </a:solidFill>
+        <a:solidFill>
+          <a:schemeClr val="phClr">
+            <a:tint val="95000"/>
+            <a:satMod val="170000"/>
+          </a:schemeClr>
+        </a:solidFill>
+        <a:gradFill rotWithShape="1">
+          <a:gsLst>
+            <a:gs pos="0">
+              <a:schemeClr val="phClr">
+                <a:tint val="93000"/>
+                <a:satMod val="150000"/>
+                <a:shade val="98000"/>
+                <a:lumMod val="102000"/>
+              </a:schemeClr>
+            </a:gs>
+            <a:gs pos="50000">
+              <a:schemeClr val="phClr">
+                <a:tint val="98000"/>
+                <a:satMod val="130000"/>
+                <a:shade val="90000"/>
+                <a:lumMod val="103000"/>
+              </a:schemeClr>
+            </a:gs>
+            <a:gs pos="100000">
+              <a:schemeClr val="phClr">
+                <a:shade val="63000"/>
+                <a:satMod val="120000"/>
+              </a:schemeClr>
+            </a:gs>
+          </a:gsLst>
+          <a:lin ang="5400000" scaled="0"/>
+        </a:gradFill>
+      </a:bgFillStyleLst>
+    </a:fmtScheme>
+  </a:themeElements>
+  <a:objectDefaults/>
+  <a:extraClrSchemeLst/>
+  <a:extLst>
+    <a:ext uri="{05A4C25C-085E-4340-85A3-A5531E510DB2}">
+      <thm15:themeFamily xmlns:thm15="http://schemas.microsoft.com/office/thememl/2012/main" name="Office Theme" id="{62F939B6-93AF-4DB8-9C6B-D6C7DFDC589F}" vid="{4A3C46E8-61CC-4603-A589-7422A47A8E4A}"/>
+    </a:ext>
+  </a:extLst>
+</a:theme>
 </file>
--- a/QTのチュートリアル.pptx
+++ b/QTのチュートリアル.pptx
@@ -4008,11 +4008,7 @@
           <a:p>
             <a:r>
               <a:rPr kumimoji="1" lang="ja-JP" altLang="en-US" dirty="0" smtClean="0"/>
-              <a:t>プロジェクトのフォルダを移動</a:t>
-            </a:r>
-            <a:r>
-              <a:rPr kumimoji="1" lang="ja-JP" altLang="en-US" dirty="0" smtClean="0"/>
-              <a:t>する、共有する場合</a:t>
+              <a:t>プロジェクトのフォルダを移動する、共有する場合</a:t>
             </a:r>
             <a:endParaRPr kumimoji="1" lang="ja-JP" altLang="en-US" dirty="0"/>
           </a:p>
@@ -4157,13 +4153,7 @@
               <a:rPr lang="en-US" altLang="ja-JP" dirty="0" smtClean="0">
                 <a:hlinkClick r:id="rId3"/>
               </a:rPr>
-              <a:t>https://</a:t>
-            </a:r>
-            <a:r>
-              <a:rPr lang="en-US" altLang="ja-JP" dirty="0" smtClean="0">
-                <a:hlinkClick r:id="rId3"/>
-              </a:rPr>
-              <a:t>github.com/github/gitignore</a:t>
+              <a:t>https://github.com/github/gitignore</a:t>
             </a:r>
             <a:endParaRPr lang="en-US" altLang="ja-JP" dirty="0" smtClean="0"/>
           </a:p>
@@ -5421,7 +5411,7 @@
           </a:solidFill>
           <a:ln>
             <a:solidFill>
-              <a:srgbClr val="FF0000"/>
+              <a:schemeClr val="tx1"/>
             </a:solidFill>
           </a:ln>
         </p:spPr>
@@ -5659,11 +5649,7 @@
             </a:r>
             <a:r>
               <a:rPr kumimoji="1" lang="ja-JP" altLang="en-US" dirty="0" smtClean="0"/>
-              <a:t>プロジェクトの</a:t>
-            </a:r>
-            <a:r>
-              <a:rPr kumimoji="1" lang="ja-JP" altLang="en-US" dirty="0" smtClean="0"/>
-              <a:t>作り方</a:t>
+              <a:t>プロジェクトの作り方</a:t>
             </a:r>
             <a:endParaRPr kumimoji="1" lang="ja-JP" altLang="en-US" dirty="0"/>
           </a:p>
@@ -5708,11 +5694,7 @@
             </a:r>
             <a:r>
               <a:rPr kumimoji="1" lang="en-US" altLang="ja-JP" dirty="0" smtClean="0"/>
-              <a:t> </a:t>
-            </a:r>
-            <a:r>
-              <a:rPr kumimoji="1" lang="en-US" altLang="ja-JP" dirty="0" smtClean="0"/>
-              <a:t>Widget</a:t>
+              <a:t> Widget</a:t>
             </a:r>
           </a:p>
           <a:p>
@@ -5739,11 +5721,7 @@
             </a:r>
             <a:r>
               <a:rPr lang="en-US" altLang="ja-JP" dirty="0" smtClean="0"/>
-              <a:t> </a:t>
-            </a:r>
-            <a:r>
-              <a:rPr lang="en-US" altLang="ja-JP" dirty="0" smtClean="0"/>
-              <a:t>Quick</a:t>
+              <a:t> Quick</a:t>
             </a:r>
           </a:p>
           <a:p>
@@ -6212,7 +6190,11 @@
           <a:p>
             <a:r>
               <a:rPr kumimoji="1" lang="ja-JP" altLang="en-US" dirty="0" smtClean="0"/>
-              <a:t>基本操作</a:t>
+              <a:t>基本</a:t>
+            </a:r>
+            <a:r>
+              <a:rPr lang="ja-JP" altLang="en-US" dirty="0"/>
+              <a:t>知識</a:t>
             </a:r>
             <a:endParaRPr kumimoji="1" lang="ja-JP" altLang="en-US" dirty="0"/>
           </a:p>
@@ -6239,12 +6221,28 @@
             </a:r>
             <a:r>
               <a:rPr lang="en-US" altLang="ja-JP" dirty="0" smtClean="0"/>
-              <a:t> or </a:t>
+              <a:t> </a:t>
+            </a:r>
+            <a:r>
+              <a:rPr lang="ja-JP" altLang="en-US" dirty="0"/>
+              <a:t>か</a:t>
+            </a:r>
+            <a:r>
+              <a:rPr lang="en-US" altLang="ja-JP" dirty="0" smtClean="0"/>
+              <a:t> </a:t>
             </a:r>
             <a:r>
               <a:rPr lang="en-US" altLang="ja-JP" dirty="0" err="1" smtClean="0"/>
               <a:t>Cmake</a:t>
             </a:r>
+            <a:r>
+              <a:rPr lang="ja-JP" altLang="en-US" dirty="0"/>
+              <a:t> </a:t>
+            </a:r>
+            <a:r>
+              <a:rPr lang="ja-JP" altLang="en-US" dirty="0" err="1" smtClean="0"/>
+              <a:t>か</a:t>
+            </a:r>
             <a:endParaRPr lang="en-US" altLang="ja-JP" dirty="0"/>
           </a:p>
           <a:p>
@@ -6253,8 +6251,23 @@
               <a:t>既定クラス　</a:t>
             </a:r>
             <a:r>
-              <a:rPr lang="en-US" altLang="ja-JP" dirty="0" err="1"/>
-              <a:t>QWidget</a:t>
+              <a:rPr lang="en-US" altLang="ja-JP" dirty="0" err="1" smtClean="0"/>
+              <a:t>Qwidget</a:t>
+            </a:r>
+            <a:endParaRPr lang="en-US" altLang="ja-JP" dirty="0" smtClean="0"/>
+          </a:p>
+          <a:p>
+            <a:r>
+              <a:rPr lang="en-US" altLang="ja-JP" dirty="0" smtClean="0"/>
+              <a:t>Signal</a:t>
+            </a:r>
+            <a:r>
+              <a:rPr lang="ja-JP" altLang="en-US" dirty="0" smtClean="0"/>
+              <a:t> と </a:t>
+            </a:r>
+            <a:r>
+              <a:rPr lang="en-US" altLang="ja-JP" dirty="0" smtClean="0"/>
+              <a:t>Slot</a:t>
             </a:r>
             <a:endParaRPr lang="en-US" altLang="ja-JP" dirty="0"/>
           </a:p>
@@ -6271,6 +6284,7 @@
               <a:rPr lang="en-US" altLang="ja-JP" dirty="0" smtClean="0"/>
               <a:t>pro</a:t>
             </a:r>
+            <a:endParaRPr lang="en-US" altLang="ja-JP" dirty="0" smtClean="0"/>
           </a:p>
           <a:p>
             <a:r>
@@ -6806,6 +6820,14 @@
               <a:gd name="adj2" fmla="val 65352"/>
             </a:avLst>
           </a:prstGeom>
+          <a:solidFill>
+            <a:schemeClr val="bg1"/>
+          </a:solidFill>
+          <a:ln>
+            <a:solidFill>
+              <a:schemeClr val="tx1"/>
+            </a:solidFill>
+          </a:ln>
         </p:spPr>
         <p:style>
           <a:lnRef idx="2">
@@ -6829,14 +6851,26 @@
           <a:p>
             <a:pPr algn="ctr"/>
             <a:r>
-              <a:rPr kumimoji="1" lang="en-US" altLang="ja-JP" dirty="0" err="1" smtClean="0"/>
+              <a:rPr kumimoji="1" lang="en-US" altLang="ja-JP" dirty="0" err="1" smtClean="0">
+                <a:solidFill>
+                  <a:schemeClr val="tx1"/>
+                </a:solidFill>
+              </a:rPr>
               <a:t>Ui</a:t>
             </a:r>
             <a:r>
-              <a:rPr kumimoji="1" lang="ja-JP" altLang="en-US" dirty="0" smtClean="0"/>
+              <a:rPr kumimoji="1" lang="ja-JP" altLang="en-US" dirty="0" smtClean="0">
+                <a:solidFill>
+                  <a:schemeClr val="tx1"/>
+                </a:solidFill>
+              </a:rPr>
               <a:t>ファイルはヘッダーファイルという扱い</a:t>
             </a:r>
-            <a:endParaRPr kumimoji="1" lang="ja-JP" altLang="en-US" dirty="0"/>
+            <a:endParaRPr kumimoji="1" lang="ja-JP" altLang="en-US" dirty="0">
+              <a:solidFill>
+                <a:schemeClr val="tx1"/>
+              </a:solidFill>
+            </a:endParaRPr>
           </a:p>
         </p:txBody>
       </p:sp>
